--- a/bot.pptx
+++ b/bot.pptx
@@ -27,6 +27,8 @@
     <p:sldId id="273" r:id="rId21"/>
     <p:sldId id="275" r:id="rId22"/>
     <p:sldId id="281" r:id="rId23"/>
+    <p:sldId id="287" r:id="rId24"/>
+    <p:sldId id="286" r:id="rId25"/>
   </p:sldIdLst>
   <p:sldSz cx="12192000" cy="6858000"/>
   <p:notesSz cx="6858000" cy="9144000"/>
@@ -20212,6 +20214,155 @@
 </p:sld>
 </file>
 
+<file path=ppt/slides/slide23.xml><?xml version="1.0" encoding="utf-8"?>
+<p:sld xmlns:a="http://schemas.openxmlformats.org/drawingml/2006/main" xmlns:r="http://schemas.openxmlformats.org/officeDocument/2006/relationships" xmlns:p="http://schemas.openxmlformats.org/presentationml/2006/main">
+  <p:cSld>
+    <p:spTree>
+      <p:nvGrpSpPr>
+        <p:cNvPr id="1" name=""/>
+        <p:cNvGrpSpPr/>
+        <p:nvPr/>
+      </p:nvGrpSpPr>
+      <p:grpSpPr>
+        <a:xfrm>
+          <a:off x="0" y="0"/>
+          <a:ext cx="0" cy="0"/>
+          <a:chOff x="0" y="0"/>
+          <a:chExt cx="0" cy="0"/>
+        </a:xfrm>
+      </p:grpSpPr>
+      <p:sp>
+        <p:nvSpPr>
+          <p:cNvPr id="3" name="Title 2">
+            <a:extLst>
+              <a:ext uri="{FF2B5EF4-FFF2-40B4-BE49-F238E27FC236}">
+                <a16:creationId xmlns:a16="http://schemas.microsoft.com/office/drawing/2014/main" id="{ACD960CA-FB74-4825-A710-8046FBD77EB8}"/>
+              </a:ext>
+            </a:extLst>
+          </p:cNvPr>
+          <p:cNvSpPr>
+            <a:spLocks noGrp="1"/>
+          </p:cNvSpPr>
+          <p:nvPr>
+            <p:ph type="title"/>
+          </p:nvPr>
+        </p:nvSpPr>
+        <p:spPr/>
+        <p:txBody>
+          <a:bodyPr/>
+          <a:lstStyle/>
+          <a:p>
+            <a:endParaRPr lang="en-US"/>
+          </a:p>
+        </p:txBody>
+      </p:sp>
+      <p:pic>
+        <p:nvPicPr>
+          <p:cNvPr id="6" name="Content Placeholder 5">
+            <a:extLst>
+              <a:ext uri="{FF2B5EF4-FFF2-40B4-BE49-F238E27FC236}">
+                <a16:creationId xmlns:a16="http://schemas.microsoft.com/office/drawing/2014/main" id="{3B2351D5-0523-4A9F-BB02-8B98CF0C8229}"/>
+              </a:ext>
+            </a:extLst>
+          </p:cNvPr>
+          <p:cNvPicPr>
+            <a:picLocks noGrp="1" noChangeAspect="1"/>
+          </p:cNvPicPr>
+          <p:nvPr>
+            <p:ph idx="1"/>
+          </p:nvPr>
+        </p:nvPicPr>
+        <p:blipFill>
+          <a:blip r:embed="rId2"/>
+          <a:stretch>
+            <a:fillRect/>
+          </a:stretch>
+        </p:blipFill>
+        <p:spPr>
+          <a:xfrm>
+            <a:off x="736846" y="35062"/>
+            <a:ext cx="10733103" cy="6822938"/>
+          </a:xfrm>
+        </p:spPr>
+      </p:pic>
+    </p:spTree>
+    <p:extLst>
+      <p:ext uri="{BB962C8B-B14F-4D97-AF65-F5344CB8AC3E}">
+        <p14:creationId xmlns:p14="http://schemas.microsoft.com/office/powerpoint/2010/main" val="2750521120"/>
+      </p:ext>
+    </p:extLst>
+  </p:cSld>
+  <p:clrMapOvr>
+    <a:masterClrMapping/>
+  </p:clrMapOvr>
+</p:sld>
+</file>
+
+<file path=ppt/slides/slide24.xml><?xml version="1.0" encoding="utf-8"?>
+<p:sld xmlns:a="http://schemas.openxmlformats.org/drawingml/2006/main" xmlns:r="http://schemas.openxmlformats.org/officeDocument/2006/relationships" xmlns:p="http://schemas.openxmlformats.org/presentationml/2006/main">
+  <p:cSld>
+    <p:spTree>
+      <p:nvGrpSpPr>
+        <p:cNvPr id="1" name=""/>
+        <p:cNvGrpSpPr/>
+        <p:nvPr/>
+      </p:nvGrpSpPr>
+      <p:grpSpPr>
+        <a:xfrm>
+          <a:off x="0" y="0"/>
+          <a:ext cx="0" cy="0"/>
+          <a:chOff x="0" y="0"/>
+          <a:chExt cx="0" cy="0"/>
+        </a:xfrm>
+      </p:grpSpPr>
+      <p:sp>
+        <p:nvSpPr>
+          <p:cNvPr id="2" name="Title 1">
+            <a:extLst>
+              <a:ext uri="{FF2B5EF4-FFF2-40B4-BE49-F238E27FC236}">
+                <a16:creationId xmlns:a16="http://schemas.microsoft.com/office/drawing/2014/main" id="{4263BB6F-3AC2-45E7-89F7-02ACBFA454B1}"/>
+              </a:ext>
+            </a:extLst>
+          </p:cNvPr>
+          <p:cNvSpPr>
+            <a:spLocks noGrp="1"/>
+          </p:cNvSpPr>
+          <p:nvPr>
+            <p:ph type="title"/>
+          </p:nvPr>
+        </p:nvSpPr>
+        <p:spPr/>
+        <p:txBody>
+          <a:bodyPr/>
+          <a:lstStyle/>
+          <a:p>
+            <a:r>
+              <a:rPr lang="en-US" dirty="0"/>
+              <a:t>That’s all folks!</a:t>
+            </a:r>
+            <a:br>
+              <a:rPr lang="en-US" dirty="0"/>
+            </a:br>
+            <a:r>
+              <a:rPr lang="en-US" dirty="0"/>
+              <a:t>Hope you had a good time!</a:t>
+            </a:r>
+          </a:p>
+        </p:txBody>
+      </p:sp>
+    </p:spTree>
+    <p:extLst>
+      <p:ext uri="{BB962C8B-B14F-4D97-AF65-F5344CB8AC3E}">
+        <p14:creationId xmlns:p14="http://schemas.microsoft.com/office/powerpoint/2010/main" val="4123204451"/>
+      </p:ext>
+    </p:extLst>
+  </p:cSld>
+  <p:clrMapOvr>
+    <a:masterClrMapping/>
+  </p:clrMapOvr>
+</p:sld>
+</file>
+
 <file path=ppt/slides/slide3.xml><?xml version="1.0" encoding="utf-8"?>
 <p:sld xmlns:a="http://schemas.openxmlformats.org/drawingml/2006/main" xmlns:r="http://schemas.openxmlformats.org/officeDocument/2006/relationships" xmlns:p="http://schemas.openxmlformats.org/presentationml/2006/main">
   <p:cSld>

--- a/bot.pptx
+++ b/bot.pptx
@@ -11,24 +11,16 @@
     <p:sldId id="261" r:id="rId5"/>
     <p:sldId id="262" r:id="rId6"/>
     <p:sldId id="282" r:id="rId7"/>
-    <p:sldId id="283" r:id="rId8"/>
-    <p:sldId id="264" r:id="rId9"/>
-    <p:sldId id="285" r:id="rId10"/>
-    <p:sldId id="265" r:id="rId11"/>
-    <p:sldId id="266" r:id="rId12"/>
-    <p:sldId id="267" r:id="rId13"/>
-    <p:sldId id="268" r:id="rId14"/>
-    <p:sldId id="263" r:id="rId15"/>
-    <p:sldId id="269" r:id="rId16"/>
-    <p:sldId id="284" r:id="rId17"/>
-    <p:sldId id="258" r:id="rId18"/>
-    <p:sldId id="259" r:id="rId19"/>
-    <p:sldId id="271" r:id="rId20"/>
-    <p:sldId id="273" r:id="rId21"/>
-    <p:sldId id="275" r:id="rId22"/>
-    <p:sldId id="281" r:id="rId23"/>
-    <p:sldId id="287" r:id="rId24"/>
-    <p:sldId id="286" r:id="rId25"/>
+    <p:sldId id="285" r:id="rId8"/>
+    <p:sldId id="263" r:id="rId9"/>
+    <p:sldId id="269" r:id="rId10"/>
+    <p:sldId id="259" r:id="rId11"/>
+    <p:sldId id="271" r:id="rId12"/>
+    <p:sldId id="273" r:id="rId13"/>
+    <p:sldId id="275" r:id="rId14"/>
+    <p:sldId id="281" r:id="rId15"/>
+    <p:sldId id="287" r:id="rId16"/>
+    <p:sldId id="286" r:id="rId17"/>
   </p:sldIdLst>
   <p:sldSz cx="12192000" cy="6858000"/>
   <p:notesSz cx="6858000" cy="9144000"/>
@@ -5268,7 +5260,7 @@
           <a:noFill/>
           <a:extLst>
             <a:ext uri="{909E8E84-426E-40dd-AFC4-6F175D3DCCD1}">
-              <a14:hiddenFill xmlns="" xmlns:a14="http://schemas.microsoft.com/office/drawing/2010/main">
+              <a14:hiddenFill xmlns:a14="http://schemas.microsoft.com/office/drawing/2010/main" xmlns="">
                 <a:solidFill>
                   <a:srgbClr val="FFFFFF"/>
                 </a:solidFill>
@@ -5327,7 +5319,7 @@
             </a:ln>
             <a:extLst>
               <a:ext uri="{91240B29-F687-4f45-9708-019B960494DF}">
-                <a14:hiddenLine xmlns="" xmlns:a14="http://schemas.microsoft.com/office/drawing/2010/main" w="9525">
+                <a14:hiddenLine xmlns:a14="http://schemas.microsoft.com/office/drawing/2010/main" xmlns="" w="9525">
                   <a:solidFill>
                     <a:srgbClr val="000000"/>
                   </a:solidFill>
@@ -5417,7 +5409,7 @@
             </a:ln>
             <a:extLst>
               <a:ext uri="{91240B29-F687-4f45-9708-019B960494DF}">
-                <a14:hiddenLine xmlns="" xmlns:a14="http://schemas.microsoft.com/office/drawing/2010/main" w="9525">
+                <a14:hiddenLine xmlns:a14="http://schemas.microsoft.com/office/drawing/2010/main" xmlns="" w="9525">
                   <a:solidFill>
                     <a:srgbClr val="000000"/>
                   </a:solidFill>
@@ -5507,7 +5499,7 @@
             </a:ln>
             <a:extLst>
               <a:ext uri="{91240B29-F687-4f45-9708-019B960494DF}">
-                <a14:hiddenLine xmlns="" xmlns:a14="http://schemas.microsoft.com/office/drawing/2010/main" w="9525">
+                <a14:hiddenLine xmlns:a14="http://schemas.microsoft.com/office/drawing/2010/main" xmlns="" w="9525">
                   <a:solidFill>
                     <a:srgbClr val="000000"/>
                   </a:solidFill>
@@ -5541,7 +5533,7 @@
             </a:ln>
             <a:extLst>
               <a:ext uri="{91240B29-F687-4f45-9708-019B960494DF}">
-                <a14:hiddenLine xmlns="" xmlns:a14="http://schemas.microsoft.com/office/drawing/2010/main" w="9525">
+                <a14:hiddenLine xmlns:a14="http://schemas.microsoft.com/office/drawing/2010/main" xmlns="" w="9525">
                   <a:solidFill>
                     <a:srgbClr val="000000"/>
                   </a:solidFill>
@@ -5631,7 +5623,7 @@
             </a:ln>
             <a:extLst>
               <a:ext uri="{91240B29-F687-4f45-9708-019B960494DF}">
-                <a14:hiddenLine xmlns="" xmlns:a14="http://schemas.microsoft.com/office/drawing/2010/main" w="9525">
+                <a14:hiddenLine xmlns:a14="http://schemas.microsoft.com/office/drawing/2010/main" xmlns="" w="9525">
                   <a:solidFill>
                     <a:srgbClr val="000000"/>
                   </a:solidFill>
@@ -5693,7 +5685,7 @@
             </a:ln>
             <a:extLst>
               <a:ext uri="{91240B29-F687-4f45-9708-019B960494DF}">
-                <a14:hiddenLine xmlns="" xmlns:a14="http://schemas.microsoft.com/office/drawing/2010/main" w="9525">
+                <a14:hiddenLine xmlns:a14="http://schemas.microsoft.com/office/drawing/2010/main" xmlns="" w="9525">
                   <a:solidFill>
                     <a:srgbClr val="000000"/>
                   </a:solidFill>
@@ -5755,7 +5747,7 @@
             </a:ln>
             <a:extLst>
               <a:ext uri="{91240B29-F687-4f45-9708-019B960494DF}">
-                <a14:hiddenLine xmlns="" xmlns:a14="http://schemas.microsoft.com/office/drawing/2010/main" w="9525">
+                <a14:hiddenLine xmlns:a14="http://schemas.microsoft.com/office/drawing/2010/main" xmlns="" w="9525">
                   <a:solidFill>
                     <a:srgbClr val="000000"/>
                   </a:solidFill>
@@ -5845,7 +5837,7 @@
             </a:ln>
             <a:extLst>
               <a:ext uri="{91240B29-F687-4f45-9708-019B960494DF}">
-                <a14:hiddenLine xmlns="" xmlns:a14="http://schemas.microsoft.com/office/drawing/2010/main" w="9525">
+                <a14:hiddenLine xmlns:a14="http://schemas.microsoft.com/office/drawing/2010/main" xmlns="" w="9525">
                   <a:solidFill>
                     <a:srgbClr val="000000"/>
                   </a:solidFill>
@@ -5907,7 +5899,7 @@
             </a:ln>
             <a:extLst>
               <a:ext uri="{91240B29-F687-4f45-9708-019B960494DF}">
-                <a14:hiddenLine xmlns="" xmlns:a14="http://schemas.microsoft.com/office/drawing/2010/main" w="9525">
+                <a14:hiddenLine xmlns:a14="http://schemas.microsoft.com/office/drawing/2010/main" xmlns="" w="9525">
                   <a:solidFill>
                     <a:srgbClr val="000000"/>
                   </a:solidFill>
@@ -5969,7 +5961,7 @@
             </a:ln>
             <a:extLst>
               <a:ext uri="{91240B29-F687-4f45-9708-019B960494DF}">
-                <a14:hiddenLine xmlns="" xmlns:a14="http://schemas.microsoft.com/office/drawing/2010/main" w="9525">
+                <a14:hiddenLine xmlns:a14="http://schemas.microsoft.com/office/drawing/2010/main" xmlns="" w="9525">
                   <a:solidFill>
                     <a:srgbClr val="000000"/>
                   </a:solidFill>
@@ -6059,7 +6051,7 @@
             </a:ln>
             <a:extLst>
               <a:ext uri="{91240B29-F687-4f45-9708-019B960494DF}">
-                <a14:hiddenLine xmlns="" xmlns:a14="http://schemas.microsoft.com/office/drawing/2010/main" w="9525">
+                <a14:hiddenLine xmlns:a14="http://schemas.microsoft.com/office/drawing/2010/main" xmlns="" w="9525">
                   <a:solidFill>
                     <a:srgbClr val="000000"/>
                   </a:solidFill>
@@ -6149,7 +6141,7 @@
             </a:ln>
             <a:extLst>
               <a:ext uri="{91240B29-F687-4f45-9708-019B960494DF}">
-                <a14:hiddenLine xmlns="" xmlns:a14="http://schemas.microsoft.com/office/drawing/2010/main" w="9525">
+                <a14:hiddenLine xmlns:a14="http://schemas.microsoft.com/office/drawing/2010/main" xmlns="" w="9525">
                   <a:solidFill>
                     <a:srgbClr val="000000"/>
                   </a:solidFill>
@@ -6211,7 +6203,7 @@
             </a:ln>
             <a:extLst>
               <a:ext uri="{91240B29-F687-4f45-9708-019B960494DF}">
-                <a14:hiddenLine xmlns="" xmlns:a14="http://schemas.microsoft.com/office/drawing/2010/main" w="9525">
+                <a14:hiddenLine xmlns:a14="http://schemas.microsoft.com/office/drawing/2010/main" xmlns="" w="9525">
                   <a:solidFill>
                     <a:srgbClr val="000000"/>
                   </a:solidFill>
@@ -6321,7 +6313,7 @@
             </a:ln>
             <a:extLst>
               <a:ext uri="{91240B29-F687-4f45-9708-019B960494DF}">
-                <a14:hiddenLine xmlns="" xmlns:a14="http://schemas.microsoft.com/office/drawing/2010/main" w="9525">
+                <a14:hiddenLine xmlns:a14="http://schemas.microsoft.com/office/drawing/2010/main" xmlns="" w="9525">
                   <a:solidFill>
                     <a:srgbClr val="000000"/>
                   </a:solidFill>
@@ -6383,7 +6375,7 @@
             </a:ln>
             <a:extLst>
               <a:ext uri="{91240B29-F687-4f45-9708-019B960494DF}">
-                <a14:hiddenLine xmlns="" xmlns:a14="http://schemas.microsoft.com/office/drawing/2010/main" w="9525">
+                <a14:hiddenLine xmlns:a14="http://schemas.microsoft.com/office/drawing/2010/main" xmlns="" w="9525">
                   <a:solidFill>
                     <a:srgbClr val="000000"/>
                   </a:solidFill>
@@ -6473,7 +6465,7 @@
             </a:ln>
             <a:extLst>
               <a:ext uri="{91240B29-F687-4f45-9708-019B960494DF}">
-                <a14:hiddenLine xmlns="" xmlns:a14="http://schemas.microsoft.com/office/drawing/2010/main" w="9525">
+                <a14:hiddenLine xmlns:a14="http://schemas.microsoft.com/office/drawing/2010/main" xmlns="" w="9525">
                   <a:solidFill>
                     <a:srgbClr val="000000"/>
                   </a:solidFill>
@@ -6563,7 +6555,7 @@
             </a:ln>
             <a:extLst>
               <a:ext uri="{91240B29-F687-4f45-9708-019B960494DF}">
-                <a14:hiddenLine xmlns="" xmlns:a14="http://schemas.microsoft.com/office/drawing/2010/main" w="9525">
+                <a14:hiddenLine xmlns:a14="http://schemas.microsoft.com/office/drawing/2010/main" xmlns="" w="9525">
                   <a:solidFill>
                     <a:srgbClr val="000000"/>
                   </a:solidFill>
@@ -6625,7 +6617,7 @@
             </a:ln>
             <a:extLst>
               <a:ext uri="{91240B29-F687-4f45-9708-019B960494DF}">
-                <a14:hiddenLine xmlns="" xmlns:a14="http://schemas.microsoft.com/office/drawing/2010/main" w="9525">
+                <a14:hiddenLine xmlns:a14="http://schemas.microsoft.com/office/drawing/2010/main" xmlns="" w="9525">
                   <a:solidFill>
                     <a:srgbClr val="000000"/>
                   </a:solidFill>
@@ -6715,7 +6707,7 @@
             </a:ln>
             <a:extLst>
               <a:ext uri="{91240B29-F687-4f45-9708-019B960494DF}">
-                <a14:hiddenLine xmlns="" xmlns:a14="http://schemas.microsoft.com/office/drawing/2010/main" w="9525">
+                <a14:hiddenLine xmlns:a14="http://schemas.microsoft.com/office/drawing/2010/main" xmlns="" w="9525">
                   <a:solidFill>
                     <a:srgbClr val="000000"/>
                   </a:solidFill>
@@ -6805,7 +6797,7 @@
             </a:ln>
             <a:extLst>
               <a:ext uri="{91240B29-F687-4f45-9708-019B960494DF}">
-                <a14:hiddenLine xmlns="" xmlns:a14="http://schemas.microsoft.com/office/drawing/2010/main" w="9525">
+                <a14:hiddenLine xmlns:a14="http://schemas.microsoft.com/office/drawing/2010/main" xmlns="" w="9525">
                   <a:solidFill>
                     <a:srgbClr val="000000"/>
                   </a:solidFill>
@@ -6861,7 +6853,7 @@
             </a:ln>
             <a:extLst>
               <a:ext uri="{91240B29-F687-4f45-9708-019B960494DF}">
-                <a14:hiddenLine xmlns="" xmlns:a14="http://schemas.microsoft.com/office/drawing/2010/main" w="9525">
+                <a14:hiddenLine xmlns:a14="http://schemas.microsoft.com/office/drawing/2010/main" xmlns="" w="9525">
                   <a:solidFill>
                     <a:srgbClr val="000000"/>
                   </a:solidFill>
@@ -6951,7 +6943,7 @@
             </a:ln>
             <a:extLst>
               <a:ext uri="{91240B29-F687-4f45-9708-019B960494DF}">
-                <a14:hiddenLine xmlns="" xmlns:a14="http://schemas.microsoft.com/office/drawing/2010/main" w="9525">
+                <a14:hiddenLine xmlns:a14="http://schemas.microsoft.com/office/drawing/2010/main" xmlns="" w="9525">
                   <a:solidFill>
                     <a:srgbClr val="000000"/>
                   </a:solidFill>
@@ -7007,7 +6999,7 @@
             </a:ln>
             <a:extLst>
               <a:ext uri="{91240B29-F687-4f45-9708-019B960494DF}">
-                <a14:hiddenLine xmlns="" xmlns:a14="http://schemas.microsoft.com/office/drawing/2010/main" w="9525">
+                <a14:hiddenLine xmlns:a14="http://schemas.microsoft.com/office/drawing/2010/main" xmlns="" w="9525">
                   <a:solidFill>
                     <a:srgbClr val="000000"/>
                   </a:solidFill>
@@ -7097,7 +7089,7 @@
             </a:ln>
             <a:extLst>
               <a:ext uri="{91240B29-F687-4f45-9708-019B960494DF}">
-                <a14:hiddenLine xmlns="" xmlns:a14="http://schemas.microsoft.com/office/drawing/2010/main" w="9525">
+                <a14:hiddenLine xmlns:a14="http://schemas.microsoft.com/office/drawing/2010/main" xmlns="" w="9525">
                   <a:solidFill>
                     <a:srgbClr val="000000"/>
                   </a:solidFill>
@@ -7165,7 +7157,7 @@
             </a:ln>
             <a:extLst>
               <a:ext uri="{91240B29-F687-4f45-9708-019B960494DF}">
-                <a14:hiddenLine xmlns="" xmlns:a14="http://schemas.microsoft.com/office/drawing/2010/main" w="9525">
+                <a14:hiddenLine xmlns:a14="http://schemas.microsoft.com/office/drawing/2010/main" xmlns="" w="9525">
                   <a:solidFill>
                     <a:srgbClr val="000000"/>
                   </a:solidFill>
@@ -7255,7 +7247,7 @@
             </a:ln>
             <a:extLst>
               <a:ext uri="{91240B29-F687-4f45-9708-019B960494DF}">
-                <a14:hiddenLine xmlns="" xmlns:a14="http://schemas.microsoft.com/office/drawing/2010/main" w="9525">
+                <a14:hiddenLine xmlns:a14="http://schemas.microsoft.com/office/drawing/2010/main" xmlns="" w="9525">
                   <a:solidFill>
                     <a:srgbClr val="000000"/>
                   </a:solidFill>
@@ -7323,7 +7315,7 @@
             </a:ln>
             <a:extLst>
               <a:ext uri="{91240B29-F687-4f45-9708-019B960494DF}">
-                <a14:hiddenLine xmlns="" xmlns:a14="http://schemas.microsoft.com/office/drawing/2010/main" w="9525">
+                <a14:hiddenLine xmlns:a14="http://schemas.microsoft.com/office/drawing/2010/main" xmlns="" w="9525">
                   <a:solidFill>
                     <a:srgbClr val="000000"/>
                   </a:solidFill>
@@ -7413,7 +7405,7 @@
             </a:ln>
             <a:extLst>
               <a:ext uri="{91240B29-F687-4f45-9708-019B960494DF}">
-                <a14:hiddenLine xmlns="" xmlns:a14="http://schemas.microsoft.com/office/drawing/2010/main" w="9525">
+                <a14:hiddenLine xmlns:a14="http://schemas.microsoft.com/office/drawing/2010/main" xmlns="" w="9525">
                   <a:solidFill>
                     <a:srgbClr val="000000"/>
                   </a:solidFill>
@@ -7447,7 +7439,7 @@
             </a:ln>
             <a:extLst>
               <a:ext uri="{91240B29-F687-4f45-9708-019B960494DF}">
-                <a14:hiddenLine xmlns="" xmlns:a14="http://schemas.microsoft.com/office/drawing/2010/main" w="9525">
+                <a14:hiddenLine xmlns:a14="http://schemas.microsoft.com/office/drawing/2010/main" xmlns="" w="9525">
                   <a:solidFill>
                     <a:srgbClr val="000000"/>
                   </a:solidFill>
@@ -7537,7 +7529,7 @@
             </a:ln>
             <a:extLst>
               <a:ext uri="{91240B29-F687-4f45-9708-019B960494DF}">
-                <a14:hiddenLine xmlns="" xmlns:a14="http://schemas.microsoft.com/office/drawing/2010/main" w="9525">
+                <a14:hiddenLine xmlns:a14="http://schemas.microsoft.com/office/drawing/2010/main" xmlns="" w="9525">
                   <a:solidFill>
                     <a:srgbClr val="000000"/>
                   </a:solidFill>
@@ -7599,7 +7591,7 @@
             </a:ln>
             <a:extLst>
               <a:ext uri="{91240B29-F687-4f45-9708-019B960494DF}">
-                <a14:hiddenLine xmlns="" xmlns:a14="http://schemas.microsoft.com/office/drawing/2010/main" w="9525">
+                <a14:hiddenLine xmlns:a14="http://schemas.microsoft.com/office/drawing/2010/main" xmlns="" w="9525">
                   <a:solidFill>
                     <a:srgbClr val="000000"/>
                   </a:solidFill>
@@ -7661,7 +7653,7 @@
             </a:ln>
             <a:extLst>
               <a:ext uri="{91240B29-F687-4f45-9708-019B960494DF}">
-                <a14:hiddenLine xmlns="" xmlns:a14="http://schemas.microsoft.com/office/drawing/2010/main" w="9525">
+                <a14:hiddenLine xmlns:a14="http://schemas.microsoft.com/office/drawing/2010/main" xmlns="" w="9525">
                   <a:solidFill>
                     <a:srgbClr val="000000"/>
                   </a:solidFill>
@@ -7751,7 +7743,7 @@
             </a:ln>
             <a:extLst>
               <a:ext uri="{91240B29-F687-4f45-9708-019B960494DF}">
-                <a14:hiddenLine xmlns="" xmlns:a14="http://schemas.microsoft.com/office/drawing/2010/main" w="9525">
+                <a14:hiddenLine xmlns:a14="http://schemas.microsoft.com/office/drawing/2010/main" xmlns="" w="9525">
                   <a:solidFill>
                     <a:srgbClr val="000000"/>
                   </a:solidFill>
@@ -7819,7 +7811,7 @@
             </a:ln>
             <a:extLst>
               <a:ext uri="{91240B29-F687-4f45-9708-019B960494DF}">
-                <a14:hiddenLine xmlns="" xmlns:a14="http://schemas.microsoft.com/office/drawing/2010/main" w="9525">
+                <a14:hiddenLine xmlns:a14="http://schemas.microsoft.com/office/drawing/2010/main" xmlns="" w="9525">
                   <a:solidFill>
                     <a:srgbClr val="000000"/>
                   </a:solidFill>
@@ -7881,7 +7873,7 @@
             </a:ln>
             <a:extLst>
               <a:ext uri="{91240B29-F687-4f45-9708-019B960494DF}">
-                <a14:hiddenLine xmlns="" xmlns:a14="http://schemas.microsoft.com/office/drawing/2010/main" w="9525">
+                <a14:hiddenLine xmlns:a14="http://schemas.microsoft.com/office/drawing/2010/main" xmlns="" w="9525">
                   <a:solidFill>
                     <a:srgbClr val="000000"/>
                   </a:solidFill>
@@ -7971,7 +7963,7 @@
             </a:ln>
             <a:extLst>
               <a:ext uri="{91240B29-F687-4f45-9708-019B960494DF}">
-                <a14:hiddenLine xmlns="" xmlns:a14="http://schemas.microsoft.com/office/drawing/2010/main" w="9525">
+                <a14:hiddenLine xmlns:a14="http://schemas.microsoft.com/office/drawing/2010/main" xmlns="" w="9525">
                   <a:solidFill>
                     <a:srgbClr val="000000"/>
                   </a:solidFill>
@@ -8033,7 +8025,7 @@
             </a:ln>
             <a:extLst>
               <a:ext uri="{91240B29-F687-4f45-9708-019B960494DF}">
-                <a14:hiddenLine xmlns="" xmlns:a14="http://schemas.microsoft.com/office/drawing/2010/main" w="9525">
+                <a14:hiddenLine xmlns:a14="http://schemas.microsoft.com/office/drawing/2010/main" xmlns="" w="9525">
                   <a:solidFill>
                     <a:srgbClr val="000000"/>
                   </a:solidFill>
@@ -8123,7 +8115,7 @@
             </a:ln>
             <a:extLst>
               <a:ext uri="{91240B29-F687-4f45-9708-019B960494DF}">
-                <a14:hiddenLine xmlns="" xmlns:a14="http://schemas.microsoft.com/office/drawing/2010/main" w="9525">
+                <a14:hiddenLine xmlns:a14="http://schemas.microsoft.com/office/drawing/2010/main" xmlns="" w="9525">
                   <a:solidFill>
                     <a:srgbClr val="000000"/>
                   </a:solidFill>
@@ -8185,7 +8177,7 @@
             </a:ln>
             <a:extLst>
               <a:ext uri="{91240B29-F687-4f45-9708-019B960494DF}">
-                <a14:hiddenLine xmlns="" xmlns:a14="http://schemas.microsoft.com/office/drawing/2010/main" w="9525">
+                <a14:hiddenLine xmlns:a14="http://schemas.microsoft.com/office/drawing/2010/main" xmlns="" w="9525">
                   <a:solidFill>
                     <a:srgbClr val="000000"/>
                   </a:solidFill>
@@ -8275,7 +8267,7 @@
             </a:ln>
             <a:extLst>
               <a:ext uri="{91240B29-F687-4f45-9708-019B960494DF}">
-                <a14:hiddenLine xmlns="" xmlns:a14="http://schemas.microsoft.com/office/drawing/2010/main" w="9525">
+                <a14:hiddenLine xmlns:a14="http://schemas.microsoft.com/office/drawing/2010/main" xmlns="" w="9525">
                   <a:solidFill>
                     <a:srgbClr val="000000"/>
                   </a:solidFill>
@@ -8309,7 +8301,7 @@
             </a:ln>
             <a:extLst>
               <a:ext uri="{91240B29-F687-4f45-9708-019B960494DF}">
-                <a14:hiddenLine xmlns="" xmlns:a14="http://schemas.microsoft.com/office/drawing/2010/main" w="9525">
+                <a14:hiddenLine xmlns:a14="http://schemas.microsoft.com/office/drawing/2010/main" xmlns="" w="9525">
                   <a:solidFill>
                     <a:srgbClr val="000000"/>
                   </a:solidFill>
@@ -8374,7 +8366,7 @@
             </a:ln>
             <a:extLst>
               <a:ext uri="{91240B29-F687-4f45-9708-019B960494DF}">
-                <a14:hiddenLine xmlns="" xmlns:a14="http://schemas.microsoft.com/office/drawing/2010/main" w="9525">
+                <a14:hiddenLine xmlns:a14="http://schemas.microsoft.com/office/drawing/2010/main" xmlns="" w="9525">
                   <a:solidFill>
                     <a:srgbClr val="000000"/>
                   </a:solidFill>
@@ -8464,7 +8456,7 @@
             </a:ln>
             <a:extLst>
               <a:ext uri="{91240B29-F687-4f45-9708-019B960494DF}">
-                <a14:hiddenLine xmlns="" xmlns:a14="http://schemas.microsoft.com/office/drawing/2010/main" w="9525">
+                <a14:hiddenLine xmlns:a14="http://schemas.microsoft.com/office/drawing/2010/main" xmlns="" w="9525">
                   <a:solidFill>
                     <a:srgbClr val="000000"/>
                   </a:solidFill>
@@ -8526,7 +8518,7 @@
             </a:ln>
             <a:extLst>
               <a:ext uri="{91240B29-F687-4f45-9708-019B960494DF}">
-                <a14:hiddenLine xmlns="" xmlns:a14="http://schemas.microsoft.com/office/drawing/2010/main" w="9525">
+                <a14:hiddenLine xmlns:a14="http://schemas.microsoft.com/office/drawing/2010/main" xmlns="" w="9525">
                   <a:solidFill>
                     <a:srgbClr val="000000"/>
                   </a:solidFill>
@@ -8616,7 +8608,7 @@
             </a:ln>
             <a:extLst>
               <a:ext uri="{91240B29-F687-4f45-9708-019B960494DF}">
-                <a14:hiddenLine xmlns="" xmlns:a14="http://schemas.microsoft.com/office/drawing/2010/main" w="9525">
+                <a14:hiddenLine xmlns:a14="http://schemas.microsoft.com/office/drawing/2010/main" xmlns="" w="9525">
                   <a:solidFill>
                     <a:srgbClr val="000000"/>
                   </a:solidFill>
@@ -8706,7 +8698,7 @@
             </a:ln>
             <a:extLst>
               <a:ext uri="{91240B29-F687-4f45-9708-019B960494DF}">
-                <a14:hiddenLine xmlns="" xmlns:a14="http://schemas.microsoft.com/office/drawing/2010/main" w="9525">
+                <a14:hiddenLine xmlns:a14="http://schemas.microsoft.com/office/drawing/2010/main" xmlns="" w="9525">
                   <a:solidFill>
                     <a:srgbClr val="000000"/>
                   </a:solidFill>
@@ -8771,7 +8763,7 @@
             </a:ln>
             <a:extLst>
               <a:ext uri="{91240B29-F687-4f45-9708-019B960494DF}">
-                <a14:hiddenLine xmlns="" xmlns:a14="http://schemas.microsoft.com/office/drawing/2010/main" w="9525">
+                <a14:hiddenLine xmlns:a14="http://schemas.microsoft.com/office/drawing/2010/main" xmlns="" w="9525">
                   <a:solidFill>
                     <a:srgbClr val="000000"/>
                   </a:solidFill>
@@ -8833,7 +8825,7 @@
             </a:ln>
             <a:extLst>
               <a:ext uri="{91240B29-F687-4f45-9708-019B960494DF}">
-                <a14:hiddenLine xmlns="" xmlns:a14="http://schemas.microsoft.com/office/drawing/2010/main" w="9525">
+                <a14:hiddenLine xmlns:a14="http://schemas.microsoft.com/office/drawing/2010/main" xmlns="" w="9525">
                   <a:solidFill>
                     <a:srgbClr val="000000"/>
                   </a:solidFill>
@@ -8923,7 +8915,7 @@
             </a:ln>
             <a:extLst>
               <a:ext uri="{91240B29-F687-4f45-9708-019B960494DF}">
-                <a14:hiddenLine xmlns="" xmlns:a14="http://schemas.microsoft.com/office/drawing/2010/main" w="9525">
+                <a14:hiddenLine xmlns:a14="http://schemas.microsoft.com/office/drawing/2010/main" xmlns="" w="9525">
                   <a:solidFill>
                     <a:srgbClr val="000000"/>
                   </a:solidFill>
@@ -9013,7 +9005,7 @@
             </a:ln>
             <a:extLst>
               <a:ext uri="{91240B29-F687-4f45-9708-019B960494DF}">
-                <a14:hiddenLine xmlns="" xmlns:a14="http://schemas.microsoft.com/office/drawing/2010/main" w="9525">
+                <a14:hiddenLine xmlns:a14="http://schemas.microsoft.com/office/drawing/2010/main" xmlns="" w="9525">
                   <a:solidFill>
                     <a:srgbClr val="000000"/>
                   </a:solidFill>
@@ -9075,7 +9067,7 @@
             </a:ln>
             <a:extLst>
               <a:ext uri="{91240B29-F687-4f45-9708-019B960494DF}">
-                <a14:hiddenLine xmlns="" xmlns:a14="http://schemas.microsoft.com/office/drawing/2010/main" w="9525">
+                <a14:hiddenLine xmlns:a14="http://schemas.microsoft.com/office/drawing/2010/main" xmlns="" w="9525">
                   <a:solidFill>
                     <a:srgbClr val="000000"/>
                   </a:solidFill>
@@ -9195,7 +9187,7 @@
             </a:ln>
             <a:extLst>
               <a:ext uri="{91240B29-F687-4f45-9708-019B960494DF}">
-                <a14:hiddenLine xmlns="" xmlns:a14="http://schemas.microsoft.com/office/drawing/2010/main" w="9525">
+                <a14:hiddenLine xmlns:a14="http://schemas.microsoft.com/office/drawing/2010/main" xmlns="" w="9525">
                   <a:solidFill>
                     <a:srgbClr val="000000"/>
                   </a:solidFill>
@@ -9263,7 +9255,7 @@
             </a:ln>
             <a:extLst>
               <a:ext uri="{91240B29-F687-4f45-9708-019B960494DF}">
-                <a14:hiddenLine xmlns="" xmlns:a14="http://schemas.microsoft.com/office/drawing/2010/main" w="9525">
+                <a14:hiddenLine xmlns:a14="http://schemas.microsoft.com/office/drawing/2010/main" xmlns="" w="9525">
                   <a:solidFill>
                     <a:srgbClr val="000000"/>
                   </a:solidFill>
@@ -9353,7 +9345,7 @@
             </a:ln>
             <a:extLst>
               <a:ext uri="{91240B29-F687-4f45-9708-019B960494DF}">
-                <a14:hiddenLine xmlns="" xmlns:a14="http://schemas.microsoft.com/office/drawing/2010/main" w="9525">
+                <a14:hiddenLine xmlns:a14="http://schemas.microsoft.com/office/drawing/2010/main" xmlns="" w="9525">
                   <a:solidFill>
                     <a:srgbClr val="000000"/>
                   </a:solidFill>
@@ -9493,7 +9485,7 @@
           <a:p>
             <a:fld id="{48A87A34-81AB-432B-8DAE-1953F412C126}" type="datetimeFigureOut">
               <a:rPr lang="en-US" dirty="0"/>
-              <a:t>15-Sep-17</a:t>
+              <a:t>16-Sep-17</a:t>
             </a:fld>
             <a:endParaRPr lang="en-US" dirty="0"/>
           </a:p>
@@ -9755,7 +9747,7 @@
           <a:p>
             <a:fld id="{48A87A34-81AB-432B-8DAE-1953F412C126}" type="datetimeFigureOut">
               <a:rPr lang="en-US" dirty="0"/>
-              <a:t>15-Sep-17</a:t>
+              <a:t>16-Sep-17</a:t>
             </a:fld>
             <a:endParaRPr lang="en-US" dirty="0"/>
           </a:p>
@@ -9946,7 +9938,7 @@
           <a:p>
             <a:fld id="{48A87A34-81AB-432B-8DAE-1953F412C126}" type="datetimeFigureOut">
               <a:rPr lang="en-US" dirty="0"/>
-              <a:t>15-Sep-17</a:t>
+              <a:t>16-Sep-17</a:t>
             </a:fld>
             <a:endParaRPr lang="en-US" dirty="0"/>
           </a:p>
@@ -10204,7 +10196,7 @@
           <a:p>
             <a:fld id="{48A87A34-81AB-432B-8DAE-1953F412C126}" type="datetimeFigureOut">
               <a:rPr lang="en-US" dirty="0"/>
-              <a:t>15-Sep-17</a:t>
+              <a:t>16-Sep-17</a:t>
             </a:fld>
             <a:endParaRPr lang="en-US" dirty="0"/>
           </a:p>
@@ -10633,7 +10625,7 @@
           <a:p>
             <a:fld id="{48A87A34-81AB-432B-8DAE-1953F412C126}" type="datetimeFigureOut">
               <a:rPr lang="en-US" dirty="0"/>
-              <a:t>15-Sep-17</a:t>
+              <a:t>16-Sep-17</a:t>
             </a:fld>
             <a:endParaRPr lang="en-US" dirty="0"/>
           </a:p>
@@ -11174,7 +11166,7 @@
           <a:p>
             <a:fld id="{48A87A34-81AB-432B-8DAE-1953F412C126}" type="datetimeFigureOut">
               <a:rPr lang="en-US" dirty="0"/>
-              <a:t>15-Sep-17</a:t>
+              <a:t>16-Sep-17</a:t>
             </a:fld>
             <a:endParaRPr lang="en-US" dirty="0"/>
           </a:p>
@@ -11889,7 +11881,7 @@
           <a:p>
             <a:fld id="{48A87A34-81AB-432B-8DAE-1953F412C126}" type="datetimeFigureOut">
               <a:rPr lang="en-US" dirty="0"/>
-              <a:t>15-Sep-17</a:t>
+              <a:t>16-Sep-17</a:t>
             </a:fld>
             <a:endParaRPr lang="en-US" dirty="0"/>
           </a:p>
@@ -12054,7 +12046,7 @@
           <a:p>
             <a:fld id="{48A87A34-81AB-432B-8DAE-1953F412C126}" type="datetimeFigureOut">
               <a:rPr lang="en-US" dirty="0"/>
-              <a:t>15-Sep-17</a:t>
+              <a:t>16-Sep-17</a:t>
             </a:fld>
             <a:endParaRPr lang="en-US" dirty="0"/>
           </a:p>
@@ -12229,7 +12221,7 @@
           <a:p>
             <a:fld id="{48A87A34-81AB-432B-8DAE-1953F412C126}" type="datetimeFigureOut">
               <a:rPr lang="en-US" dirty="0"/>
-              <a:t>15-Sep-17</a:t>
+              <a:t>16-Sep-17</a:t>
             </a:fld>
             <a:endParaRPr lang="en-US" dirty="0"/>
           </a:p>
@@ -12394,7 +12386,7 @@
           <a:p>
             <a:fld id="{48A87A34-81AB-432B-8DAE-1953F412C126}" type="datetimeFigureOut">
               <a:rPr lang="en-US" dirty="0"/>
-              <a:t>15-Sep-17</a:t>
+              <a:t>16-Sep-17</a:t>
             </a:fld>
             <a:endParaRPr lang="en-US" dirty="0"/>
           </a:p>
@@ -12639,7 +12631,7 @@
           <a:p>
             <a:fld id="{48A87A34-81AB-432B-8DAE-1953F412C126}" type="datetimeFigureOut">
               <a:rPr lang="en-US" dirty="0"/>
-              <a:t>15-Sep-17</a:t>
+              <a:t>16-Sep-17</a:t>
             </a:fld>
             <a:endParaRPr lang="en-US" dirty="0"/>
           </a:p>
@@ -12866,7 +12858,7 @@
           <a:p>
             <a:fld id="{48A87A34-81AB-432B-8DAE-1953F412C126}" type="datetimeFigureOut">
               <a:rPr lang="en-US" dirty="0"/>
-              <a:t>15-Sep-17</a:t>
+              <a:t>16-Sep-17</a:t>
             </a:fld>
             <a:endParaRPr lang="en-US" dirty="0"/>
           </a:p>
@@ -13242,7 +13234,7 @@
           <a:p>
             <a:fld id="{48A87A34-81AB-432B-8DAE-1953F412C126}" type="datetimeFigureOut">
               <a:rPr lang="en-US" dirty="0"/>
-              <a:t>15-Sep-17</a:t>
+              <a:t>16-Sep-17</a:t>
             </a:fld>
             <a:endParaRPr lang="en-US" dirty="0"/>
           </a:p>
@@ -13355,7 +13347,7 @@
           <a:p>
             <a:fld id="{48A87A34-81AB-432B-8DAE-1953F412C126}" type="datetimeFigureOut">
               <a:rPr lang="en-US" dirty="0"/>
-              <a:t>15-Sep-17</a:t>
+              <a:t>16-Sep-17</a:t>
             </a:fld>
             <a:endParaRPr lang="en-US" dirty="0"/>
           </a:p>
@@ -13445,7 +13437,7 @@
           <a:p>
             <a:fld id="{48A87A34-81AB-432B-8DAE-1953F412C126}" type="datetimeFigureOut">
               <a:rPr lang="en-US" dirty="0"/>
-              <a:t>15-Sep-17</a:t>
+              <a:t>16-Sep-17</a:t>
             </a:fld>
             <a:endParaRPr lang="en-US" dirty="0"/>
           </a:p>
@@ -13689,7 +13681,7 @@
           <a:p>
             <a:fld id="{48A87A34-81AB-432B-8DAE-1953F412C126}" type="datetimeFigureOut">
               <a:rPr lang="en-US" dirty="0"/>
-              <a:t>15-Sep-17</a:t>
+              <a:t>16-Sep-17</a:t>
             </a:fld>
             <a:endParaRPr lang="en-US" dirty="0"/>
           </a:p>
@@ -13964,7 +13956,7 @@
           <a:p>
             <a:fld id="{48A87A34-81AB-432B-8DAE-1953F412C126}" type="datetimeFigureOut">
               <a:rPr lang="en-US" dirty="0"/>
-              <a:t>15-Sep-17</a:t>
+              <a:t>16-Sep-17</a:t>
             </a:fld>
             <a:endParaRPr lang="en-US" dirty="0"/>
           </a:p>
@@ -14082,7 +14074,7 @@
           <a:noFill/>
           <a:extLst>
             <a:ext uri="{909E8E84-426E-40dd-AFC4-6F175D3DCCD1}">
-              <a14:hiddenFill xmlns="" xmlns:a14="http://schemas.microsoft.com/office/drawing/2010/main">
+              <a14:hiddenFill xmlns:a14="http://schemas.microsoft.com/office/drawing/2010/main" xmlns="">
                 <a:solidFill>
                   <a:srgbClr val="FFFFFF"/>
                 </a:solidFill>
@@ -14156,7 +14148,7 @@
               </a:ln>
               <a:extLst>
                 <a:ext uri="{91240B29-F687-4f45-9708-019B960494DF}">
-                  <a14:hiddenLine xmlns="" xmlns:a14="http://schemas.microsoft.com/office/drawing/2010/main" w="9525">
+                  <a14:hiddenLine xmlns:a14="http://schemas.microsoft.com/office/drawing/2010/main" xmlns="" w="9525">
                     <a:solidFill>
                       <a:srgbClr val="000000"/>
                     </a:solidFill>
@@ -14246,7 +14238,7 @@
               </a:ln>
               <a:extLst>
                 <a:ext uri="{91240B29-F687-4f45-9708-019B960494DF}">
-                  <a14:hiddenLine xmlns="" xmlns:a14="http://schemas.microsoft.com/office/drawing/2010/main" w="9525">
+                  <a14:hiddenLine xmlns:a14="http://schemas.microsoft.com/office/drawing/2010/main" xmlns="" w="9525">
                     <a:solidFill>
                       <a:srgbClr val="000000"/>
                     </a:solidFill>
@@ -14336,7 +14328,7 @@
               </a:ln>
               <a:extLst>
                 <a:ext uri="{91240B29-F687-4f45-9708-019B960494DF}">
-                  <a14:hiddenLine xmlns="" xmlns:a14="http://schemas.microsoft.com/office/drawing/2010/main" w="9525">
+                  <a14:hiddenLine xmlns:a14="http://schemas.microsoft.com/office/drawing/2010/main" xmlns="" w="9525">
                     <a:solidFill>
                       <a:srgbClr val="000000"/>
                     </a:solidFill>
@@ -14398,7 +14390,7 @@
               </a:ln>
               <a:extLst>
                 <a:ext uri="{91240B29-F687-4f45-9708-019B960494DF}">
-                  <a14:hiddenLine xmlns="" xmlns:a14="http://schemas.microsoft.com/office/drawing/2010/main" w="9525">
+                  <a14:hiddenLine xmlns:a14="http://schemas.microsoft.com/office/drawing/2010/main" xmlns="" w="9525">
                     <a:solidFill>
                       <a:srgbClr val="000000"/>
                     </a:solidFill>
@@ -14488,7 +14480,7 @@
               </a:ln>
               <a:extLst>
                 <a:ext uri="{91240B29-F687-4f45-9708-019B960494DF}">
-                  <a14:hiddenLine xmlns="" xmlns:a14="http://schemas.microsoft.com/office/drawing/2010/main" w="9525">
+                  <a14:hiddenLine xmlns:a14="http://schemas.microsoft.com/office/drawing/2010/main" xmlns="" w="9525">
                     <a:solidFill>
                       <a:srgbClr val="000000"/>
                     </a:solidFill>
@@ -14550,7 +14542,7 @@
               </a:ln>
               <a:extLst>
                 <a:ext uri="{91240B29-F687-4f45-9708-019B960494DF}">
-                  <a14:hiddenLine xmlns="" xmlns:a14="http://schemas.microsoft.com/office/drawing/2010/main" w="9525">
+                  <a14:hiddenLine xmlns:a14="http://schemas.microsoft.com/office/drawing/2010/main" xmlns="" w="9525">
                     <a:solidFill>
                       <a:srgbClr val="000000"/>
                     </a:solidFill>
@@ -14612,7 +14604,7 @@
               </a:ln>
               <a:extLst>
                 <a:ext uri="{91240B29-F687-4f45-9708-019B960494DF}">
-                  <a14:hiddenLine xmlns="" xmlns:a14="http://schemas.microsoft.com/office/drawing/2010/main" w="9525">
+                  <a14:hiddenLine xmlns:a14="http://schemas.microsoft.com/office/drawing/2010/main" xmlns="" w="9525">
                     <a:solidFill>
                       <a:srgbClr val="000000"/>
                     </a:solidFill>
@@ -14702,7 +14694,7 @@
               </a:ln>
               <a:extLst>
                 <a:ext uri="{91240B29-F687-4f45-9708-019B960494DF}">
-                  <a14:hiddenLine xmlns="" xmlns:a14="http://schemas.microsoft.com/office/drawing/2010/main" w="9525">
+                  <a14:hiddenLine xmlns:a14="http://schemas.microsoft.com/office/drawing/2010/main" xmlns="" w="9525">
                     <a:solidFill>
                       <a:srgbClr val="000000"/>
                     </a:solidFill>
@@ -14792,7 +14784,7 @@
               </a:ln>
               <a:extLst>
                 <a:ext uri="{91240B29-F687-4f45-9708-019B960494DF}">
-                  <a14:hiddenLine xmlns="" xmlns:a14="http://schemas.microsoft.com/office/drawing/2010/main" w="9525">
+                  <a14:hiddenLine xmlns:a14="http://schemas.microsoft.com/office/drawing/2010/main" xmlns="" w="9525">
                     <a:solidFill>
                       <a:srgbClr val="000000"/>
                     </a:solidFill>
@@ -14854,7 +14846,7 @@
               </a:ln>
               <a:extLst>
                 <a:ext uri="{91240B29-F687-4f45-9708-019B960494DF}">
-                  <a14:hiddenLine xmlns="" xmlns:a14="http://schemas.microsoft.com/office/drawing/2010/main" w="9525">
+                  <a14:hiddenLine xmlns:a14="http://schemas.microsoft.com/office/drawing/2010/main" xmlns="" w="9525">
                     <a:solidFill>
                       <a:srgbClr val="000000"/>
                     </a:solidFill>
@@ -14964,7 +14956,7 @@
               </a:ln>
               <a:extLst>
                 <a:ext uri="{91240B29-F687-4f45-9708-019B960494DF}">
-                  <a14:hiddenLine xmlns="" xmlns:a14="http://schemas.microsoft.com/office/drawing/2010/main" w="9525">
+                  <a14:hiddenLine xmlns:a14="http://schemas.microsoft.com/office/drawing/2010/main" xmlns="" w="9525">
                     <a:solidFill>
                       <a:srgbClr val="000000"/>
                     </a:solidFill>
@@ -15048,7 +15040,7 @@
               </a:ln>
               <a:extLst>
                 <a:ext uri="{91240B29-F687-4f45-9708-019B960494DF}">
-                  <a14:hiddenLine xmlns="" xmlns:a14="http://schemas.microsoft.com/office/drawing/2010/main" w="9525">
+                  <a14:hiddenLine xmlns:a14="http://schemas.microsoft.com/office/drawing/2010/main" xmlns="" w="9525">
                     <a:solidFill>
                       <a:srgbClr val="000000"/>
                     </a:solidFill>
@@ -15110,7 +15102,7 @@
               </a:ln>
               <a:extLst>
                 <a:ext uri="{91240B29-F687-4f45-9708-019B960494DF}">
-                  <a14:hiddenLine xmlns="" xmlns:a14="http://schemas.microsoft.com/office/drawing/2010/main" w="9525">
+                  <a14:hiddenLine xmlns:a14="http://schemas.microsoft.com/office/drawing/2010/main" xmlns="" w="9525">
                     <a:solidFill>
                       <a:srgbClr val="000000"/>
                     </a:solidFill>
@@ -15172,7 +15164,7 @@
               </a:ln>
               <a:extLst>
                 <a:ext uri="{91240B29-F687-4f45-9708-019B960494DF}">
-                  <a14:hiddenLine xmlns="" xmlns:a14="http://schemas.microsoft.com/office/drawing/2010/main" w="9525">
+                  <a14:hiddenLine xmlns:a14="http://schemas.microsoft.com/office/drawing/2010/main" xmlns="" w="9525">
                     <a:solidFill>
                       <a:srgbClr val="000000"/>
                     </a:solidFill>
@@ -15262,7 +15254,7 @@
               </a:ln>
               <a:extLst>
                 <a:ext uri="{91240B29-F687-4f45-9708-019B960494DF}">
-                  <a14:hiddenLine xmlns="" xmlns:a14="http://schemas.microsoft.com/office/drawing/2010/main" w="9525">
+                  <a14:hiddenLine xmlns:a14="http://schemas.microsoft.com/office/drawing/2010/main" xmlns="" w="9525">
                     <a:solidFill>
                       <a:srgbClr val="000000"/>
                     </a:solidFill>
@@ -15296,7 +15288,7 @@
               </a:ln>
               <a:extLst>
                 <a:ext uri="{91240B29-F687-4f45-9708-019B960494DF}">
-                  <a14:hiddenLine xmlns="" xmlns:a14="http://schemas.microsoft.com/office/drawing/2010/main" w="9525">
+                  <a14:hiddenLine xmlns:a14="http://schemas.microsoft.com/office/drawing/2010/main" xmlns="" w="9525">
                     <a:solidFill>
                       <a:srgbClr val="000000"/>
                     </a:solidFill>
@@ -15361,7 +15353,7 @@
               </a:ln>
               <a:extLst>
                 <a:ext uri="{91240B29-F687-4f45-9708-019B960494DF}">
-                  <a14:hiddenLine xmlns="" xmlns:a14="http://schemas.microsoft.com/office/drawing/2010/main" w="9525">
+                  <a14:hiddenLine xmlns:a14="http://schemas.microsoft.com/office/drawing/2010/main" xmlns="" w="9525">
                     <a:solidFill>
                       <a:srgbClr val="000000"/>
                     </a:solidFill>
@@ -15451,7 +15443,7 @@
               </a:ln>
               <a:extLst>
                 <a:ext uri="{91240B29-F687-4f45-9708-019B960494DF}">
-                  <a14:hiddenLine xmlns="" xmlns:a14="http://schemas.microsoft.com/office/drawing/2010/main" w="9525">
+                  <a14:hiddenLine xmlns:a14="http://schemas.microsoft.com/office/drawing/2010/main" xmlns="" w="9525">
                     <a:solidFill>
                       <a:srgbClr val="000000"/>
                     </a:solidFill>
@@ -15513,7 +15505,7 @@
               </a:ln>
               <a:extLst>
                 <a:ext uri="{91240B29-F687-4f45-9708-019B960494DF}">
-                  <a14:hiddenLine xmlns="" xmlns:a14="http://schemas.microsoft.com/office/drawing/2010/main" w="9525">
+                  <a14:hiddenLine xmlns:a14="http://schemas.microsoft.com/office/drawing/2010/main" xmlns="" w="9525">
                     <a:solidFill>
                       <a:srgbClr val="000000"/>
                     </a:solidFill>
@@ -15603,7 +15595,7 @@
               </a:ln>
               <a:extLst>
                 <a:ext uri="{91240B29-F687-4f45-9708-019B960494DF}">
-                  <a14:hiddenLine xmlns="" xmlns:a14="http://schemas.microsoft.com/office/drawing/2010/main" w="9525">
+                  <a14:hiddenLine xmlns:a14="http://schemas.microsoft.com/office/drawing/2010/main" xmlns="" w="9525">
                     <a:solidFill>
                       <a:srgbClr val="000000"/>
                     </a:solidFill>
@@ -15668,7 +15660,7 @@
               </a:ln>
               <a:extLst>
                 <a:ext uri="{91240B29-F687-4f45-9708-019B960494DF}">
-                  <a14:hiddenLine xmlns="" xmlns:a14="http://schemas.microsoft.com/office/drawing/2010/main" w="9525">
+                  <a14:hiddenLine xmlns:a14="http://schemas.microsoft.com/office/drawing/2010/main" xmlns="" w="9525">
                     <a:solidFill>
                       <a:srgbClr val="000000"/>
                     </a:solidFill>
@@ -15730,7 +15722,7 @@
               </a:ln>
               <a:extLst>
                 <a:ext uri="{91240B29-F687-4f45-9708-019B960494DF}">
-                  <a14:hiddenLine xmlns="" xmlns:a14="http://schemas.microsoft.com/office/drawing/2010/main" w="9525">
+                  <a14:hiddenLine xmlns:a14="http://schemas.microsoft.com/office/drawing/2010/main" xmlns="" w="9525">
                     <a:solidFill>
                       <a:srgbClr val="000000"/>
                     </a:solidFill>
@@ -15820,7 +15812,7 @@
               </a:ln>
               <a:extLst>
                 <a:ext uri="{91240B29-F687-4f45-9708-019B960494DF}">
-                  <a14:hiddenLine xmlns="" xmlns:a14="http://schemas.microsoft.com/office/drawing/2010/main" w="9525">
+                  <a14:hiddenLine xmlns:a14="http://schemas.microsoft.com/office/drawing/2010/main" xmlns="" w="9525">
                     <a:solidFill>
                       <a:srgbClr val="000000"/>
                     </a:solidFill>
@@ -15910,7 +15902,7 @@
               </a:ln>
               <a:extLst>
                 <a:ext uri="{91240B29-F687-4f45-9708-019B960494DF}">
-                  <a14:hiddenLine xmlns="" xmlns:a14="http://schemas.microsoft.com/office/drawing/2010/main" w="9525">
+                  <a14:hiddenLine xmlns:a14="http://schemas.microsoft.com/office/drawing/2010/main" xmlns="" w="9525">
                     <a:solidFill>
                       <a:srgbClr val="000000"/>
                     </a:solidFill>
@@ -15975,7 +15967,7 @@
               </a:ln>
               <a:extLst>
                 <a:ext uri="{91240B29-F687-4f45-9708-019B960494DF}">
-                  <a14:hiddenLine xmlns="" xmlns:a14="http://schemas.microsoft.com/office/drawing/2010/main" w="9525">
+                  <a14:hiddenLine xmlns:a14="http://schemas.microsoft.com/office/drawing/2010/main" xmlns="" w="9525">
                     <a:solidFill>
                       <a:srgbClr val="000000"/>
                     </a:solidFill>
@@ -16095,7 +16087,7 @@
               </a:ln>
               <a:extLst>
                 <a:ext uri="{91240B29-F687-4f45-9708-019B960494DF}">
-                  <a14:hiddenLine xmlns="" xmlns:a14="http://schemas.microsoft.com/office/drawing/2010/main" w="9525">
+                  <a14:hiddenLine xmlns:a14="http://schemas.microsoft.com/office/drawing/2010/main" xmlns="" w="9525">
                     <a:solidFill>
                       <a:srgbClr val="000000"/>
                     </a:solidFill>
@@ -16176,7 +16168,7 @@
               </a:ln>
               <a:extLst>
                 <a:ext uri="{91240B29-F687-4f45-9708-019B960494DF}">
-                  <a14:hiddenLine xmlns="" xmlns:a14="http://schemas.microsoft.com/office/drawing/2010/main" w="9525">
+                  <a14:hiddenLine xmlns:a14="http://schemas.microsoft.com/office/drawing/2010/main" xmlns="" w="9525">
                     <a:solidFill>
                       <a:srgbClr val="000000"/>
                     </a:solidFill>
@@ -16291,7 +16283,7 @@
               </a:ln>
               <a:extLst>
                 <a:ext uri="{91240B29-F687-4f45-9708-019B960494DF}">
-                  <a14:hiddenLine xmlns="" xmlns:a14="http://schemas.microsoft.com/office/drawing/2010/main" w="9525">
+                  <a14:hiddenLine xmlns:a14="http://schemas.microsoft.com/office/drawing/2010/main" xmlns="" w="9525">
                     <a:solidFill>
                       <a:srgbClr val="000000"/>
                     </a:solidFill>
@@ -16381,7 +16373,7 @@
               </a:ln>
               <a:extLst>
                 <a:ext uri="{91240B29-F687-4f45-9708-019B960494DF}">
-                  <a14:hiddenLine xmlns="" xmlns:a14="http://schemas.microsoft.com/office/drawing/2010/main" w="9525">
+                  <a14:hiddenLine xmlns:a14="http://schemas.microsoft.com/office/drawing/2010/main" xmlns="" w="9525">
                     <a:solidFill>
                       <a:srgbClr val="000000"/>
                     </a:solidFill>
@@ -16446,7 +16438,7 @@
               </a:ln>
               <a:extLst>
                 <a:ext uri="{91240B29-F687-4f45-9708-019B960494DF}">
-                  <a14:hiddenLine xmlns="" xmlns:a14="http://schemas.microsoft.com/office/drawing/2010/main" w="9525">
+                  <a14:hiddenLine xmlns:a14="http://schemas.microsoft.com/office/drawing/2010/main" xmlns="" w="9525">
                     <a:solidFill>
                       <a:srgbClr val="000000"/>
                     </a:solidFill>
@@ -16536,7 +16528,7 @@
               </a:ln>
               <a:extLst>
                 <a:ext uri="{91240B29-F687-4f45-9708-019B960494DF}">
-                  <a14:hiddenLine xmlns="" xmlns:a14="http://schemas.microsoft.com/office/drawing/2010/main" w="9525">
+                  <a14:hiddenLine xmlns:a14="http://schemas.microsoft.com/office/drawing/2010/main" xmlns="" w="9525">
                     <a:solidFill>
                       <a:srgbClr val="000000"/>
                     </a:solidFill>
@@ -16604,7 +16596,7 @@
               </a:ln>
               <a:extLst>
                 <a:ext uri="{91240B29-F687-4f45-9708-019B960494DF}">
-                  <a14:hiddenLine xmlns="" xmlns:a14="http://schemas.microsoft.com/office/drawing/2010/main" w="9525">
+                  <a14:hiddenLine xmlns:a14="http://schemas.microsoft.com/office/drawing/2010/main" xmlns="" w="9525">
                     <a:solidFill>
                       <a:srgbClr val="000000"/>
                     </a:solidFill>
@@ -16694,7 +16686,7 @@
               </a:ln>
               <a:extLst>
                 <a:ext uri="{91240B29-F687-4f45-9708-019B960494DF}">
-                  <a14:hiddenLine xmlns="" xmlns:a14="http://schemas.microsoft.com/office/drawing/2010/main" w="9525">
+                  <a14:hiddenLine xmlns:a14="http://schemas.microsoft.com/office/drawing/2010/main" xmlns="" w="9525">
                     <a:solidFill>
                       <a:srgbClr val="000000"/>
                     </a:solidFill>
@@ -16762,7 +16754,7 @@
               </a:ln>
               <a:extLst>
                 <a:ext uri="{91240B29-F687-4f45-9708-019B960494DF}">
-                  <a14:hiddenLine xmlns="" xmlns:a14="http://schemas.microsoft.com/office/drawing/2010/main" w="9525">
+                  <a14:hiddenLine xmlns:a14="http://schemas.microsoft.com/office/drawing/2010/main" xmlns="" w="9525">
                     <a:solidFill>
                       <a:srgbClr val="000000"/>
                     </a:solidFill>
@@ -16852,7 +16844,7 @@
               </a:ln>
               <a:extLst>
                 <a:ext uri="{91240B29-F687-4f45-9708-019B960494DF}">
-                  <a14:hiddenLine xmlns="" xmlns:a14="http://schemas.microsoft.com/office/drawing/2010/main" w="9525">
+                  <a14:hiddenLine xmlns:a14="http://schemas.microsoft.com/office/drawing/2010/main" xmlns="" w="9525">
                     <a:solidFill>
                       <a:srgbClr val="000000"/>
                     </a:solidFill>
@@ -16886,7 +16878,7 @@
               </a:ln>
               <a:extLst>
                 <a:ext uri="{91240B29-F687-4f45-9708-019B960494DF}">
-                  <a14:hiddenLine xmlns="" xmlns:a14="http://schemas.microsoft.com/office/drawing/2010/main" w="9525">
+                  <a14:hiddenLine xmlns:a14="http://schemas.microsoft.com/office/drawing/2010/main" xmlns="" w="9525">
                     <a:solidFill>
                       <a:srgbClr val="000000"/>
                     </a:solidFill>
@@ -17027,7 +17019,7 @@
             <a:fld id="{48A87A34-81AB-432B-8DAE-1953F412C126}" type="datetimeFigureOut">
               <a:rPr lang="en-US" dirty="0"/>
               <a:pPr/>
-              <a:t>15-Sep-17</a:t>
+              <a:t>16-Sep-17</a:t>
             </a:fld>
             <a:endParaRPr lang="en-US" dirty="0"/>
           </a:p>
@@ -17667,1377 +17659,6 @@
       </p:grpSpPr>
       <p:sp>
         <p:nvSpPr>
-          <p:cNvPr id="3" name="Content Placeholder 2">
-            <a:extLst>
-              <a:ext uri="{FF2B5EF4-FFF2-40B4-BE49-F238E27FC236}">
-                <a16:creationId xmlns:a16="http://schemas.microsoft.com/office/drawing/2014/main" id="{C889E805-6F6B-4372-B80A-88F2BA75DC33}"/>
-              </a:ext>
-            </a:extLst>
-          </p:cNvPr>
-          <p:cNvSpPr>
-            <a:spLocks noGrp="1"/>
-          </p:cNvSpPr>
-          <p:nvPr>
-            <p:ph idx="1"/>
-          </p:nvPr>
-        </p:nvSpPr>
-        <p:spPr>
-          <a:xfrm>
-            <a:off x="1141412" y="647114"/>
-            <a:ext cx="9905999" cy="5697415"/>
-          </a:xfrm>
-        </p:spPr>
-        <p:txBody>
-          <a:bodyPr>
-            <a:normAutofit/>
-          </a:bodyPr>
-          <a:lstStyle/>
-          <a:p>
-            <a:pPr marL="0" indent="0">
-              <a:buNone/>
-            </a:pPr>
-            <a:r>
-              <a:rPr lang="en-IN" sz="1400" dirty="0"/>
-              <a:t>// bots moves forward</a:t>
-            </a:r>
-          </a:p>
-          <a:p>
-            <a:pPr marL="0" indent="0">
-              <a:buNone/>
-            </a:pPr>
-            <a:r>
-              <a:rPr lang="en-IN" sz="1400" dirty="0"/>
-              <a:t>void forward()</a:t>
-            </a:r>
-          </a:p>
-          <a:p>
-            <a:pPr marL="0" indent="0">
-              <a:buNone/>
-            </a:pPr>
-            <a:r>
-              <a:rPr lang="en-IN" sz="1400" dirty="0"/>
-              <a:t>{</a:t>
-            </a:r>
-          </a:p>
-          <a:p>
-            <a:pPr marL="0" indent="0">
-              <a:buNone/>
-            </a:pPr>
-            <a:r>
-              <a:rPr lang="en-IN" sz="1400" dirty="0"/>
-              <a:t>  </a:t>
-            </a:r>
-            <a:r>
-              <a:rPr lang="en-IN" sz="1400" dirty="0" err="1"/>
-              <a:t>digitalWrite</a:t>
-            </a:r>
-            <a:r>
-              <a:rPr lang="en-IN" sz="1400" dirty="0"/>
-              <a:t>(2,HIGH);</a:t>
-            </a:r>
-          </a:p>
-          <a:p>
-            <a:pPr marL="0" indent="0">
-              <a:buNone/>
-            </a:pPr>
-            <a:r>
-              <a:rPr lang="en-IN" sz="1400" dirty="0"/>
-              <a:t>  </a:t>
-            </a:r>
-            <a:r>
-              <a:rPr lang="en-IN" sz="1400" dirty="0" err="1"/>
-              <a:t>digitalWrite</a:t>
-            </a:r>
-            <a:r>
-              <a:rPr lang="en-IN" sz="1400" dirty="0"/>
-              <a:t>(3,LOW);</a:t>
-            </a:r>
-          </a:p>
-          <a:p>
-            <a:pPr marL="0" indent="0">
-              <a:buNone/>
-            </a:pPr>
-            <a:r>
-              <a:rPr lang="en-IN" sz="1400" dirty="0"/>
-              <a:t>  </a:t>
-            </a:r>
-            <a:r>
-              <a:rPr lang="en-IN" sz="1400" dirty="0" err="1"/>
-              <a:t>digitalWrite</a:t>
-            </a:r>
-            <a:r>
-              <a:rPr lang="en-IN" sz="1400" dirty="0"/>
-              <a:t>(4,LOW);</a:t>
-            </a:r>
-          </a:p>
-          <a:p>
-            <a:pPr marL="0" indent="0">
-              <a:buNone/>
-            </a:pPr>
-            <a:r>
-              <a:rPr lang="en-IN" sz="1400" dirty="0"/>
-              <a:t>  </a:t>
-            </a:r>
-            <a:r>
-              <a:rPr lang="en-IN" sz="1400" dirty="0" err="1"/>
-              <a:t>digitalWrite</a:t>
-            </a:r>
-            <a:r>
-              <a:rPr lang="en-IN" sz="1400" dirty="0"/>
-              <a:t>(5,HIGH);</a:t>
-            </a:r>
-          </a:p>
-          <a:p>
-            <a:pPr marL="0" indent="0">
-              <a:buNone/>
-            </a:pPr>
-            <a:r>
-              <a:rPr lang="en-IN" sz="1400" dirty="0"/>
-              <a:t>  </a:t>
-            </a:r>
-            <a:r>
-              <a:rPr lang="en-IN" sz="1400" dirty="0" err="1"/>
-              <a:t>Serial.println</a:t>
-            </a:r>
-            <a:r>
-              <a:rPr lang="en-IN" sz="1400" dirty="0"/>
-              <a:t>("FORWARD");</a:t>
-            </a:r>
-          </a:p>
-          <a:p>
-            <a:pPr marL="0" indent="0">
-              <a:buNone/>
-            </a:pPr>
-            <a:r>
-              <a:rPr lang="en-IN" sz="1400" dirty="0"/>
-              <a:t>  delay(100);</a:t>
-            </a:r>
-          </a:p>
-          <a:p>
-            <a:pPr marL="0" indent="0">
-              <a:buNone/>
-            </a:pPr>
-            <a:r>
-              <a:rPr lang="en-IN" sz="1400" dirty="0"/>
-              <a:t>}</a:t>
-            </a:r>
-          </a:p>
-        </p:txBody>
-      </p:sp>
-    </p:spTree>
-    <p:extLst>
-      <p:ext uri="{BB962C8B-B14F-4D97-AF65-F5344CB8AC3E}">
-        <p14:creationId xmlns:p14="http://schemas.microsoft.com/office/powerpoint/2010/main" val="2840939558"/>
-      </p:ext>
-    </p:extLst>
-  </p:cSld>
-  <p:clrMapOvr>
-    <a:masterClrMapping/>
-  </p:clrMapOvr>
-</p:sld>
-</file>
-
-<file path=ppt/slides/slide11.xml><?xml version="1.0" encoding="utf-8"?>
-<p:sld xmlns:a="http://schemas.openxmlformats.org/drawingml/2006/main" xmlns:r="http://schemas.openxmlformats.org/officeDocument/2006/relationships" xmlns:p="http://schemas.openxmlformats.org/presentationml/2006/main">
-  <p:cSld>
-    <p:spTree>
-      <p:nvGrpSpPr>
-        <p:cNvPr id="1" name=""/>
-        <p:cNvGrpSpPr/>
-        <p:nvPr/>
-      </p:nvGrpSpPr>
-      <p:grpSpPr>
-        <a:xfrm>
-          <a:off x="0" y="0"/>
-          <a:ext cx="0" cy="0"/>
-          <a:chOff x="0" y="0"/>
-          <a:chExt cx="0" cy="0"/>
-        </a:xfrm>
-      </p:grpSpPr>
-      <p:sp>
-        <p:nvSpPr>
-          <p:cNvPr id="3" name="Content Placeholder 2">
-            <a:extLst>
-              <a:ext uri="{FF2B5EF4-FFF2-40B4-BE49-F238E27FC236}">
-                <a16:creationId xmlns:a16="http://schemas.microsoft.com/office/drawing/2014/main" id="{FAD845A0-53E0-4BF9-B73D-E88AAC2FC4D6}"/>
-              </a:ext>
-            </a:extLst>
-          </p:cNvPr>
-          <p:cNvSpPr>
-            <a:spLocks noGrp="1"/>
-          </p:cNvSpPr>
-          <p:nvPr>
-            <p:ph idx="1"/>
-          </p:nvPr>
-        </p:nvSpPr>
-        <p:spPr>
-          <a:xfrm>
-            <a:off x="1141412" y="422031"/>
-            <a:ext cx="9905999" cy="5753686"/>
-          </a:xfrm>
-        </p:spPr>
-        <p:txBody>
-          <a:bodyPr>
-            <a:normAutofit fontScale="92500" lnSpcReduction="20000"/>
-          </a:bodyPr>
-          <a:lstStyle/>
-          <a:p>
-            <a:pPr marL="0" indent="0">
-              <a:buNone/>
-            </a:pPr>
-            <a:r>
-              <a:rPr lang="en-US" dirty="0"/>
-              <a:t>// take the left turn </a:t>
-            </a:r>
-          </a:p>
-          <a:p>
-            <a:pPr marL="0" indent="0">
-              <a:buNone/>
-            </a:pPr>
-            <a:r>
-              <a:rPr lang="en-US" dirty="0"/>
-              <a:t>// the low and high needs to provided according to the moment</a:t>
-            </a:r>
-          </a:p>
-          <a:p>
-            <a:pPr marL="0" indent="0">
-              <a:buNone/>
-            </a:pPr>
-            <a:r>
-              <a:rPr lang="en-US" dirty="0"/>
-              <a:t>// like in which direction you want the bot to move</a:t>
-            </a:r>
-          </a:p>
-          <a:p>
-            <a:pPr marL="0" indent="0">
-              <a:buNone/>
-            </a:pPr>
-            <a:r>
-              <a:rPr lang="en-US" dirty="0"/>
-              <a:t>void left()</a:t>
-            </a:r>
-          </a:p>
-          <a:p>
-            <a:pPr marL="0" indent="0">
-              <a:buNone/>
-            </a:pPr>
-            <a:r>
-              <a:rPr lang="en-US" dirty="0"/>
-              <a:t>{</a:t>
-            </a:r>
-          </a:p>
-          <a:p>
-            <a:pPr marL="0" indent="0">
-              <a:buNone/>
-            </a:pPr>
-            <a:r>
-              <a:rPr lang="en-US" dirty="0"/>
-              <a:t>  </a:t>
-            </a:r>
-            <a:r>
-              <a:rPr lang="en-US" dirty="0" err="1"/>
-              <a:t>digitalWrite</a:t>
-            </a:r>
-            <a:r>
-              <a:rPr lang="en-US" dirty="0"/>
-              <a:t>(2,HIGH);</a:t>
-            </a:r>
-          </a:p>
-          <a:p>
-            <a:pPr marL="0" indent="0">
-              <a:buNone/>
-            </a:pPr>
-            <a:r>
-              <a:rPr lang="en-US" dirty="0"/>
-              <a:t>  </a:t>
-            </a:r>
-            <a:r>
-              <a:rPr lang="en-US" dirty="0" err="1"/>
-              <a:t>digitalWrite</a:t>
-            </a:r>
-            <a:r>
-              <a:rPr lang="en-US" dirty="0"/>
-              <a:t>(3,LOW);</a:t>
-            </a:r>
-          </a:p>
-          <a:p>
-            <a:pPr marL="0" indent="0">
-              <a:buNone/>
-            </a:pPr>
-            <a:r>
-              <a:rPr lang="en-US" dirty="0"/>
-              <a:t>  </a:t>
-            </a:r>
-            <a:r>
-              <a:rPr lang="en-US" dirty="0" err="1"/>
-              <a:t>digitalWrite</a:t>
-            </a:r>
-            <a:r>
-              <a:rPr lang="en-US" dirty="0"/>
-              <a:t>(4,HIGH);</a:t>
-            </a:r>
-          </a:p>
-          <a:p>
-            <a:pPr marL="0" indent="0">
-              <a:buNone/>
-            </a:pPr>
-            <a:r>
-              <a:rPr lang="en-US" dirty="0"/>
-              <a:t>  </a:t>
-            </a:r>
-            <a:r>
-              <a:rPr lang="en-US" dirty="0" err="1"/>
-              <a:t>digitalWrite</a:t>
-            </a:r>
-            <a:r>
-              <a:rPr lang="en-US" dirty="0"/>
-              <a:t>(5,LOW);</a:t>
-            </a:r>
-          </a:p>
-          <a:p>
-            <a:pPr marL="0" indent="0">
-              <a:buNone/>
-            </a:pPr>
-            <a:r>
-              <a:rPr lang="en-US" dirty="0"/>
-              <a:t>  </a:t>
-            </a:r>
-            <a:r>
-              <a:rPr lang="en-US" dirty="0" err="1"/>
-              <a:t>Serial.println</a:t>
-            </a:r>
-            <a:r>
-              <a:rPr lang="en-US" dirty="0"/>
-              <a:t>("LEFT");</a:t>
-            </a:r>
-          </a:p>
-          <a:p>
-            <a:pPr marL="0" indent="0">
-              <a:buNone/>
-            </a:pPr>
-            <a:r>
-              <a:rPr lang="en-US" dirty="0"/>
-              <a:t>  delay(100);</a:t>
-            </a:r>
-          </a:p>
-          <a:p>
-            <a:pPr marL="0" indent="0">
-              <a:buNone/>
-            </a:pPr>
-            <a:r>
-              <a:rPr lang="en-US" dirty="0"/>
-              <a:t>}</a:t>
-            </a:r>
-            <a:endParaRPr lang="en-IN" dirty="0"/>
-          </a:p>
-        </p:txBody>
-      </p:sp>
-    </p:spTree>
-    <p:extLst>
-      <p:ext uri="{BB962C8B-B14F-4D97-AF65-F5344CB8AC3E}">
-        <p14:creationId xmlns:p14="http://schemas.microsoft.com/office/powerpoint/2010/main" val="3756969517"/>
-      </p:ext>
-    </p:extLst>
-  </p:cSld>
-  <p:clrMapOvr>
-    <a:masterClrMapping/>
-  </p:clrMapOvr>
-</p:sld>
-</file>
-
-<file path=ppt/slides/slide12.xml><?xml version="1.0" encoding="utf-8"?>
-<p:sld xmlns:a="http://schemas.openxmlformats.org/drawingml/2006/main" xmlns:r="http://schemas.openxmlformats.org/officeDocument/2006/relationships" xmlns:p="http://schemas.openxmlformats.org/presentationml/2006/main">
-  <p:cSld>
-    <p:spTree>
-      <p:nvGrpSpPr>
-        <p:cNvPr id="1" name=""/>
-        <p:cNvGrpSpPr/>
-        <p:nvPr/>
-      </p:nvGrpSpPr>
-      <p:grpSpPr>
-        <a:xfrm>
-          <a:off x="0" y="0"/>
-          <a:ext cx="0" cy="0"/>
-          <a:chOff x="0" y="0"/>
-          <a:chExt cx="0" cy="0"/>
-        </a:xfrm>
-      </p:grpSpPr>
-      <p:sp>
-        <p:nvSpPr>
-          <p:cNvPr id="3" name="Content Placeholder 2">
-            <a:extLst>
-              <a:ext uri="{FF2B5EF4-FFF2-40B4-BE49-F238E27FC236}">
-                <a16:creationId xmlns:a16="http://schemas.microsoft.com/office/drawing/2014/main" id="{B02B320E-FDA9-46C8-958D-196508D0CE1E}"/>
-              </a:ext>
-            </a:extLst>
-          </p:cNvPr>
-          <p:cNvSpPr>
-            <a:spLocks noGrp="1"/>
-          </p:cNvSpPr>
-          <p:nvPr>
-            <p:ph idx="1"/>
-          </p:nvPr>
-        </p:nvSpPr>
-        <p:spPr>
-          <a:xfrm>
-            <a:off x="1141412" y="464234"/>
-            <a:ext cx="9905999" cy="5641144"/>
-          </a:xfrm>
-        </p:spPr>
-        <p:txBody>
-          <a:bodyPr>
-            <a:normAutofit fontScale="92500" lnSpcReduction="20000"/>
-          </a:bodyPr>
-          <a:lstStyle/>
-          <a:p>
-            <a:pPr marL="0" indent="0">
-              <a:buNone/>
-            </a:pPr>
-            <a:r>
-              <a:rPr lang="en-IN" dirty="0"/>
-              <a:t>// </a:t>
-            </a:r>
-            <a:r>
-              <a:rPr lang="en-IN" dirty="0" err="1"/>
-              <a:t>contininous</a:t>
-            </a:r>
-            <a:r>
-              <a:rPr lang="en-IN" dirty="0"/>
-              <a:t> </a:t>
-            </a:r>
-            <a:r>
-              <a:rPr lang="en-IN" dirty="0" err="1"/>
-              <a:t>infite</a:t>
-            </a:r>
-            <a:r>
-              <a:rPr lang="en-IN" dirty="0"/>
-              <a:t> loop</a:t>
-            </a:r>
-          </a:p>
-          <a:p>
-            <a:pPr marL="0" indent="0">
-              <a:buNone/>
-            </a:pPr>
-            <a:r>
-              <a:rPr lang="en-IN" dirty="0"/>
-              <a:t>// similar to :</a:t>
-            </a:r>
-          </a:p>
-          <a:p>
-            <a:pPr marL="0" indent="0">
-              <a:buNone/>
-            </a:pPr>
-            <a:r>
-              <a:rPr lang="en-IN" dirty="0"/>
-              <a:t>// while(true)</a:t>
-            </a:r>
-          </a:p>
-          <a:p>
-            <a:pPr marL="0" indent="0">
-              <a:buNone/>
-            </a:pPr>
-            <a:endParaRPr lang="en-IN" dirty="0"/>
-          </a:p>
-          <a:p>
-            <a:pPr marL="0" indent="0">
-              <a:buNone/>
-            </a:pPr>
-            <a:r>
-              <a:rPr lang="en-IN" dirty="0"/>
-              <a:t>void loop() </a:t>
-            </a:r>
-          </a:p>
-          <a:p>
-            <a:pPr marL="0" indent="0">
-              <a:buNone/>
-            </a:pPr>
-            <a:r>
-              <a:rPr lang="en-IN" dirty="0"/>
-              <a:t>{</a:t>
-            </a:r>
-          </a:p>
-          <a:p>
-            <a:pPr marL="0" indent="0">
-              <a:buNone/>
-            </a:pPr>
-            <a:r>
-              <a:rPr lang="en-IN" dirty="0"/>
-              <a:t>  while (</a:t>
-            </a:r>
-            <a:r>
-              <a:rPr lang="en-IN" dirty="0" err="1"/>
-              <a:t>Serial.available</a:t>
-            </a:r>
-            <a:r>
-              <a:rPr lang="en-IN" dirty="0"/>
-              <a:t>())       //If there's a available byte to read do the following</a:t>
-            </a:r>
-          </a:p>
-          <a:p>
-            <a:pPr marL="0" indent="0">
-              <a:buNone/>
-            </a:pPr>
-            <a:r>
-              <a:rPr lang="en-IN" dirty="0"/>
-              <a:t>    {</a:t>
-            </a:r>
-          </a:p>
-          <a:p>
-            <a:pPr marL="0" indent="0">
-              <a:buNone/>
-            </a:pPr>
-            <a:r>
-              <a:rPr lang="en-IN" dirty="0"/>
-              <a:t>      delay(10);                   //Delay added for stability</a:t>
-            </a:r>
-          </a:p>
-          <a:p>
-            <a:pPr marL="0" indent="0">
-              <a:buNone/>
-            </a:pPr>
-            <a:r>
-              <a:rPr lang="en-IN" dirty="0"/>
-              <a:t>      button = </a:t>
-            </a:r>
-            <a:r>
-              <a:rPr lang="en-IN" dirty="0" err="1"/>
-              <a:t>Serial.read</a:t>
-            </a:r>
-            <a:r>
-              <a:rPr lang="en-IN" dirty="0"/>
-              <a:t>();      //Store the input in button</a:t>
-            </a:r>
-          </a:p>
-          <a:p>
-            <a:pPr marL="0" indent="0">
-              <a:buNone/>
-            </a:pPr>
-            <a:r>
-              <a:rPr lang="en-IN" dirty="0"/>
-              <a:t>      </a:t>
-            </a:r>
-            <a:r>
-              <a:rPr lang="en-IN" dirty="0" err="1"/>
-              <a:t>Serial.println</a:t>
-            </a:r>
-            <a:r>
-              <a:rPr lang="en-IN" dirty="0"/>
-              <a:t>("New data available");</a:t>
-            </a:r>
-          </a:p>
-          <a:p>
-            <a:pPr marL="0" indent="0">
-              <a:buNone/>
-            </a:pPr>
-            <a:r>
-              <a:rPr lang="en-IN" dirty="0"/>
-              <a:t>    }</a:t>
-            </a:r>
-          </a:p>
-        </p:txBody>
-      </p:sp>
-    </p:spTree>
-    <p:extLst>
-      <p:ext uri="{BB962C8B-B14F-4D97-AF65-F5344CB8AC3E}">
-        <p14:creationId xmlns:p14="http://schemas.microsoft.com/office/powerpoint/2010/main" val="670668252"/>
-      </p:ext>
-    </p:extLst>
-  </p:cSld>
-  <p:clrMapOvr>
-    <a:masterClrMapping/>
-  </p:clrMapOvr>
-</p:sld>
-</file>
-
-<file path=ppt/slides/slide13.xml><?xml version="1.0" encoding="utf-8"?>
-<p:sld xmlns:a="http://schemas.openxmlformats.org/drawingml/2006/main" xmlns:r="http://schemas.openxmlformats.org/officeDocument/2006/relationships" xmlns:p="http://schemas.openxmlformats.org/presentationml/2006/main">
-  <p:cSld>
-    <p:spTree>
-      <p:nvGrpSpPr>
-        <p:cNvPr id="1" name=""/>
-        <p:cNvGrpSpPr/>
-        <p:nvPr/>
-      </p:nvGrpSpPr>
-      <p:grpSpPr>
-        <a:xfrm>
-          <a:off x="0" y="0"/>
-          <a:ext cx="0" cy="0"/>
-          <a:chOff x="0" y="0"/>
-          <a:chExt cx="0" cy="0"/>
-        </a:xfrm>
-      </p:grpSpPr>
-      <p:sp>
-        <p:nvSpPr>
-          <p:cNvPr id="3" name="Content Placeholder 2">
-            <a:extLst>
-              <a:ext uri="{FF2B5EF4-FFF2-40B4-BE49-F238E27FC236}">
-                <a16:creationId xmlns:a16="http://schemas.microsoft.com/office/drawing/2014/main" id="{2CE6A79F-A31D-4ED2-8351-15DE72F98D93}"/>
-              </a:ext>
-            </a:extLst>
-          </p:cNvPr>
-          <p:cNvSpPr>
-            <a:spLocks noGrp="1"/>
-          </p:cNvSpPr>
-          <p:nvPr>
-            <p:ph idx="1"/>
-          </p:nvPr>
-        </p:nvSpPr>
-        <p:spPr>
-          <a:xfrm>
-            <a:off x="1141412" y="464234"/>
-            <a:ext cx="9905999" cy="5795889"/>
-          </a:xfrm>
-        </p:spPr>
-        <p:txBody>
-          <a:bodyPr>
-            <a:normAutofit fontScale="92500" lnSpcReduction="20000"/>
-          </a:bodyPr>
-          <a:lstStyle/>
-          <a:p>
-            <a:pPr marL="0" indent="0">
-              <a:buNone/>
-            </a:pPr>
-            <a:r>
-              <a:rPr lang="en-US" dirty="0"/>
-              <a:t> // switch case; similar to C</a:t>
-            </a:r>
-            <a:endParaRPr lang="en-IN" dirty="0"/>
-          </a:p>
-          <a:p>
-            <a:pPr marL="0" indent="0">
-              <a:buNone/>
-            </a:pPr>
-            <a:r>
-              <a:rPr lang="en-IN" dirty="0"/>
-              <a:t>switch(button)</a:t>
-            </a:r>
-          </a:p>
-          <a:p>
-            <a:pPr marL="0" indent="0">
-              <a:buNone/>
-            </a:pPr>
-            <a:r>
-              <a:rPr lang="en-IN" dirty="0"/>
-              <a:t>   {</a:t>
-            </a:r>
-          </a:p>
-          <a:p>
-            <a:pPr marL="0" indent="0">
-              <a:buNone/>
-            </a:pPr>
-            <a:r>
-              <a:rPr lang="en-IN" dirty="0"/>
-              <a:t>    </a:t>
-            </a:r>
-            <a:r>
-              <a:rPr lang="en-IN" dirty="0" err="1"/>
-              <a:t>case'f</a:t>
-            </a:r>
-            <a:r>
-              <a:rPr lang="en-IN" dirty="0"/>
-              <a:t>':</a:t>
-            </a:r>
-          </a:p>
-          <a:p>
-            <a:pPr marL="0" indent="0">
-              <a:buNone/>
-            </a:pPr>
-            <a:r>
-              <a:rPr lang="en-IN" dirty="0"/>
-              <a:t>      forward();</a:t>
-            </a:r>
-          </a:p>
-          <a:p>
-            <a:pPr marL="0" indent="0">
-              <a:buNone/>
-            </a:pPr>
-            <a:r>
-              <a:rPr lang="en-IN" dirty="0"/>
-              <a:t>      break;</a:t>
-            </a:r>
-          </a:p>
-          <a:p>
-            <a:pPr marL="0" indent="0">
-              <a:buNone/>
-            </a:pPr>
-            <a:r>
-              <a:rPr lang="en-IN" dirty="0"/>
-              <a:t>    ///some code</a:t>
-            </a:r>
-          </a:p>
-          <a:p>
-            <a:pPr marL="0" indent="0">
-              <a:buNone/>
-            </a:pPr>
-            <a:r>
-              <a:rPr lang="en-IN" dirty="0"/>
-              <a:t>default:</a:t>
-            </a:r>
-          </a:p>
-          <a:p>
-            <a:pPr marL="0" indent="0">
-              <a:buNone/>
-            </a:pPr>
-            <a:r>
-              <a:rPr lang="en-IN" dirty="0"/>
-              <a:t>      </a:t>
-            </a:r>
-            <a:r>
-              <a:rPr lang="en-IN" dirty="0" err="1"/>
-              <a:t>Serial.println</a:t>
-            </a:r>
-            <a:r>
-              <a:rPr lang="en-IN" dirty="0"/>
-              <a:t>("Wrong choice");</a:t>
-            </a:r>
-          </a:p>
-          <a:p>
-            <a:pPr marL="0" indent="0">
-              <a:buNone/>
-            </a:pPr>
-            <a:r>
-              <a:rPr lang="en-IN" dirty="0"/>
-              <a:t>      break;</a:t>
-            </a:r>
-          </a:p>
-          <a:p>
-            <a:pPr marL="0" indent="0">
-              <a:buNone/>
-            </a:pPr>
-            <a:r>
-              <a:rPr lang="en-IN" dirty="0"/>
-              <a:t>   }</a:t>
-            </a:r>
-          </a:p>
-          <a:p>
-            <a:pPr marL="0" indent="0">
-              <a:buNone/>
-            </a:pPr>
-            <a:r>
-              <a:rPr lang="en-IN" dirty="0"/>
-              <a:t>}</a:t>
-            </a:r>
-          </a:p>
-        </p:txBody>
-      </p:sp>
-    </p:spTree>
-    <p:extLst>
-      <p:ext uri="{BB962C8B-B14F-4D97-AF65-F5344CB8AC3E}">
-        <p14:creationId xmlns:p14="http://schemas.microsoft.com/office/powerpoint/2010/main" val="1309450118"/>
-      </p:ext>
-    </p:extLst>
-  </p:cSld>
-  <p:clrMapOvr>
-    <a:masterClrMapping/>
-  </p:clrMapOvr>
-</p:sld>
-</file>
-
-<file path=ppt/slides/slide14.xml><?xml version="1.0" encoding="utf-8"?>
-<p:sld xmlns:a="http://schemas.openxmlformats.org/drawingml/2006/main" xmlns:r="http://schemas.openxmlformats.org/officeDocument/2006/relationships" xmlns:p="http://schemas.openxmlformats.org/presentationml/2006/main">
-  <p:cSld>
-    <p:spTree>
-      <p:nvGrpSpPr>
-        <p:cNvPr id="1" name=""/>
-        <p:cNvGrpSpPr/>
-        <p:nvPr/>
-      </p:nvGrpSpPr>
-      <p:grpSpPr>
-        <a:xfrm>
-          <a:off x="0" y="0"/>
-          <a:ext cx="0" cy="0"/>
-          <a:chOff x="0" y="0"/>
-          <a:chExt cx="0" cy="0"/>
-        </a:xfrm>
-      </p:grpSpPr>
-      <p:sp>
-        <p:nvSpPr>
-          <p:cNvPr id="2" name="Title 1">
-            <a:extLst>
-              <a:ext uri="{FF2B5EF4-FFF2-40B4-BE49-F238E27FC236}">
-                <a16:creationId xmlns:a16="http://schemas.microsoft.com/office/drawing/2014/main" id="{F94C1EF5-176D-468B-AC46-48571A6BCB2B}"/>
-              </a:ext>
-            </a:extLst>
-          </p:cNvPr>
-          <p:cNvSpPr>
-            <a:spLocks noGrp="1"/>
-          </p:cNvSpPr>
-          <p:nvPr>
-            <p:ph type="title"/>
-          </p:nvPr>
-        </p:nvSpPr>
-        <p:spPr/>
-        <p:txBody>
-          <a:bodyPr/>
-          <a:lstStyle/>
-          <a:p>
-            <a:r>
-              <a:rPr lang="en-IN" dirty="0">
-                <a:solidFill>
-                  <a:srgbClr val="FF0000"/>
-                </a:solidFill>
-              </a:rPr>
-              <a:t>Ultrasonic module</a:t>
-            </a:r>
-            <a:r>
-              <a:rPr lang="en-IN" dirty="0"/>
-              <a:t>	</a:t>
-            </a:r>
-          </a:p>
-        </p:txBody>
-      </p:sp>
-      <p:sp>
-        <p:nvSpPr>
-          <p:cNvPr id="4" name="Content Placeholder 3">
-            <a:extLst>
-              <a:ext uri="{FF2B5EF4-FFF2-40B4-BE49-F238E27FC236}">
-                <a16:creationId xmlns:a16="http://schemas.microsoft.com/office/drawing/2014/main" id="{9600374B-7369-4213-895F-D6D2273EBB1D}"/>
-              </a:ext>
-            </a:extLst>
-          </p:cNvPr>
-          <p:cNvSpPr>
-            <a:spLocks noGrp="1"/>
-          </p:cNvSpPr>
-          <p:nvPr>
-            <p:ph idx="1"/>
-          </p:nvPr>
-        </p:nvSpPr>
-        <p:spPr>
-          <a:xfrm>
-            <a:off x="1141413" y="2097088"/>
-            <a:ext cx="5189050" cy="4219306"/>
-          </a:xfrm>
-        </p:spPr>
-        <p:txBody>
-          <a:bodyPr>
-            <a:normAutofit/>
-          </a:bodyPr>
-          <a:lstStyle/>
-          <a:p>
-            <a:r>
-              <a:rPr lang="en-IN" dirty="0"/>
-              <a:t>Ultrasonic ranging module HC - SR04 provides 2cm - 400cm non-contact measurement function, the ranging accuracy can reach to 3mm</a:t>
-            </a:r>
-          </a:p>
-          <a:p>
-            <a:r>
-              <a:rPr lang="en-IN" dirty="0"/>
-              <a:t>The modules includes ultrasonic transmitters, receiver and control circuit.</a:t>
-            </a:r>
-          </a:p>
-        </p:txBody>
-      </p:sp>
-      <p:pic>
-        <p:nvPicPr>
-          <p:cNvPr id="5" name="Picture 4" descr="C:\Users\ab\AppData\Local\Microsoft\Windows\INetCache\Content.Word\Ultra.jpg">
-            <a:extLst>
-              <a:ext uri="{FF2B5EF4-FFF2-40B4-BE49-F238E27FC236}">
-                <a16:creationId xmlns:a16="http://schemas.microsoft.com/office/drawing/2014/main" id="{866337F7-EC2F-4B6A-9213-99F73F0305D9}"/>
-              </a:ext>
-            </a:extLst>
-          </p:cNvPr>
-          <p:cNvPicPr/>
-          <p:nvPr/>
-        </p:nvPicPr>
-        <p:blipFill>
-          <a:blip r:embed="rId2">
-            <a:extLst>
-              <a:ext uri="{28A0092B-C50C-407E-A947-70E740481C1C}">
-                <a14:useLocalDpi xmlns:a14="http://schemas.microsoft.com/office/drawing/2010/main" val="0"/>
-              </a:ext>
-            </a:extLst>
-          </a:blip>
-          <a:srcRect/>
-          <a:stretch>
-            <a:fillRect/>
-          </a:stretch>
-        </p:blipFill>
-        <p:spPr bwMode="auto">
-          <a:xfrm>
-            <a:off x="7230794" y="2169890"/>
-            <a:ext cx="4425852" cy="2950749"/>
-          </a:xfrm>
-          <a:prstGeom prst="rect">
-            <a:avLst/>
-          </a:prstGeom>
-          <a:noFill/>
-          <a:ln>
-            <a:noFill/>
-          </a:ln>
-        </p:spPr>
-      </p:pic>
-    </p:spTree>
-    <p:extLst>
-      <p:ext uri="{BB962C8B-B14F-4D97-AF65-F5344CB8AC3E}">
-        <p14:creationId xmlns:p14="http://schemas.microsoft.com/office/powerpoint/2010/main" val="3874818933"/>
-      </p:ext>
-    </p:extLst>
-  </p:cSld>
-  <p:clrMapOvr>
-    <a:masterClrMapping/>
-  </p:clrMapOvr>
-  <p:timing>
-    <p:tnLst>
-      <p:par>
-        <p:cTn id="1" dur="indefinite" restart="never" nodeType="tmRoot">
-          <p:childTnLst>
-            <p:seq concurrent="1" nextAc="seek">
-              <p:cTn id="2" dur="indefinite" nodeType="mainSeq">
-                <p:childTnLst>
-                  <p:par>
-                    <p:cTn id="3" fill="hold">
-                      <p:stCondLst>
-                        <p:cond delay="indefinite"/>
-                      </p:stCondLst>
-                      <p:childTnLst>
-                        <p:par>
-                          <p:cTn id="4" fill="hold">
-                            <p:stCondLst>
-                              <p:cond delay="0"/>
-                            </p:stCondLst>
-                            <p:childTnLst>
-                              <p:par>
-                                <p:cTn id="5" presetID="1" presetClass="entr" presetSubtype="0" fill="hold" nodeType="clickEffect">
-                                  <p:stCondLst>
-                                    <p:cond delay="0"/>
-                                  </p:stCondLst>
-                                  <p:childTnLst>
-                                    <p:set>
-                                      <p:cBhvr>
-                                        <p:cTn id="6" dur="1" fill="hold">
-                                          <p:stCondLst>
-                                            <p:cond delay="0"/>
-                                          </p:stCondLst>
-                                        </p:cTn>
-                                        <p:tgtEl>
-                                          <p:spTgt spid="4">
-                                            <p:txEl>
-                                              <p:pRg st="0" end="0"/>
-                                            </p:txEl>
-                                          </p:spTgt>
-                                        </p:tgtEl>
-                                        <p:attrNameLst>
-                                          <p:attrName>style.visibility</p:attrName>
-                                        </p:attrNameLst>
-                                      </p:cBhvr>
-                                      <p:to>
-                                        <p:strVal val="visible"/>
-                                      </p:to>
-                                    </p:set>
-                                  </p:childTnLst>
-                                </p:cTn>
-                              </p:par>
-                              <p:par>
-                                <p:cTn id="7" presetID="1" presetClass="entr" presetSubtype="0" fill="hold" nodeType="withEffect">
-                                  <p:stCondLst>
-                                    <p:cond delay="0"/>
-                                  </p:stCondLst>
-                                  <p:childTnLst>
-                                    <p:set>
-                                      <p:cBhvr>
-                                        <p:cTn id="8" dur="1" fill="hold">
-                                          <p:stCondLst>
-                                            <p:cond delay="0"/>
-                                          </p:stCondLst>
-                                        </p:cTn>
-                                        <p:tgtEl>
-                                          <p:spTgt spid="4">
-                                            <p:txEl>
-                                              <p:pRg st="1" end="1"/>
-                                            </p:txEl>
-                                          </p:spTgt>
-                                        </p:tgtEl>
-                                        <p:attrNameLst>
-                                          <p:attrName>style.visibility</p:attrName>
-                                        </p:attrNameLst>
-                                      </p:cBhvr>
-                                      <p:to>
-                                        <p:strVal val="visible"/>
-                                      </p:to>
-                                    </p:set>
-                                  </p:childTnLst>
-                                </p:cTn>
-                              </p:par>
-                            </p:childTnLst>
-                          </p:cTn>
-                        </p:par>
-                      </p:childTnLst>
-                    </p:cTn>
-                  </p:par>
-                  <p:par>
-                    <p:cTn id="9" fill="hold">
-                      <p:stCondLst>
-                        <p:cond delay="indefinite"/>
-                      </p:stCondLst>
-                      <p:childTnLst>
-                        <p:par>
-                          <p:cTn id="10" fill="hold">
-                            <p:stCondLst>
-                              <p:cond delay="0"/>
-                            </p:stCondLst>
-                            <p:childTnLst>
-                              <p:par>
-                                <p:cTn id="11" presetID="1" presetClass="entr" presetSubtype="0" fill="hold" nodeType="clickEffect">
-                                  <p:stCondLst>
-                                    <p:cond delay="0"/>
-                                  </p:stCondLst>
-                                  <p:childTnLst>
-                                    <p:set>
-                                      <p:cBhvr>
-                                        <p:cTn id="12" dur="1" fill="hold">
-                                          <p:stCondLst>
-                                            <p:cond delay="0"/>
-                                          </p:stCondLst>
-                                        </p:cTn>
-                                        <p:tgtEl>
-                                          <p:spTgt spid="5"/>
-                                        </p:tgtEl>
-                                        <p:attrNameLst>
-                                          <p:attrName>style.visibility</p:attrName>
-                                        </p:attrNameLst>
-                                      </p:cBhvr>
-                                      <p:to>
-                                        <p:strVal val="visible"/>
-                                      </p:to>
-                                    </p:set>
-                                  </p:childTnLst>
-                                </p:cTn>
-                              </p:par>
-                            </p:childTnLst>
-                          </p:cTn>
-                        </p:par>
-                      </p:childTnLst>
-                    </p:cTn>
-                  </p:par>
-                </p:childTnLst>
-              </p:cTn>
-              <p:prevCondLst>
-                <p:cond evt="onPrev" delay="0">
-                  <p:tgtEl>
-                    <p:sldTgt/>
-                  </p:tgtEl>
-                </p:cond>
-              </p:prevCondLst>
-              <p:nextCondLst>
-                <p:cond evt="onNext" delay="0">
-                  <p:tgtEl>
-                    <p:sldTgt/>
-                  </p:tgtEl>
-                </p:cond>
-              </p:nextCondLst>
-            </p:seq>
-          </p:childTnLst>
-        </p:cTn>
-      </p:par>
-    </p:tnLst>
-  </p:timing>
-</p:sld>
-</file>
-
-<file path=ppt/slides/slide15.xml><?xml version="1.0" encoding="utf-8"?>
-<p:sld xmlns:a="http://schemas.openxmlformats.org/drawingml/2006/main" xmlns:r="http://schemas.openxmlformats.org/officeDocument/2006/relationships" xmlns:p="http://schemas.openxmlformats.org/presentationml/2006/main">
-  <p:cSld>
-    <p:spTree>
-      <p:nvGrpSpPr>
-        <p:cNvPr id="1" name=""/>
-        <p:cNvGrpSpPr/>
-        <p:nvPr/>
-      </p:nvGrpSpPr>
-      <p:grpSpPr>
-        <a:xfrm>
-          <a:off x="0" y="0"/>
-          <a:ext cx="0" cy="0"/>
-          <a:chOff x="0" y="0"/>
-          <a:chExt cx="0" cy="0"/>
-        </a:xfrm>
-      </p:grpSpPr>
-      <p:sp>
-        <p:nvSpPr>
-          <p:cNvPr id="2" name="Title 1">
-            <a:extLst>
-              <a:ext uri="{FF2B5EF4-FFF2-40B4-BE49-F238E27FC236}">
-                <a16:creationId xmlns:a16="http://schemas.microsoft.com/office/drawing/2014/main" id="{A1643780-E245-4A8B-B9DC-88DF3B3BD7A5}"/>
-              </a:ext>
-            </a:extLst>
-          </p:cNvPr>
-          <p:cNvSpPr>
-            <a:spLocks noGrp="1"/>
-          </p:cNvSpPr>
-          <p:nvPr>
-            <p:ph type="title"/>
-          </p:nvPr>
-        </p:nvSpPr>
-        <p:spPr/>
-        <p:txBody>
-          <a:bodyPr/>
-          <a:lstStyle/>
-          <a:p>
-            <a:r>
-              <a:rPr lang="en-IN" dirty="0">
-                <a:solidFill>
-                  <a:srgbClr val="FF0000"/>
-                </a:solidFill>
-              </a:rPr>
-              <a:t>Ultrasonic module</a:t>
-            </a:r>
-            <a:endParaRPr lang="en-IN" dirty="0"/>
-          </a:p>
-        </p:txBody>
-      </p:sp>
-      <p:sp>
-        <p:nvSpPr>
-          <p:cNvPr id="3" name="Content Placeholder 2">
-            <a:extLst>
-              <a:ext uri="{FF2B5EF4-FFF2-40B4-BE49-F238E27FC236}">
-                <a16:creationId xmlns:a16="http://schemas.microsoft.com/office/drawing/2014/main" id="{E46409C2-C582-4451-94FD-CC4658FFDC73}"/>
-              </a:ext>
-            </a:extLst>
-          </p:cNvPr>
-          <p:cNvSpPr>
-            <a:spLocks noGrp="1"/>
-          </p:cNvSpPr>
-          <p:nvPr>
-            <p:ph idx="1"/>
-          </p:nvPr>
-        </p:nvSpPr>
-        <p:spPr/>
-        <p:txBody>
-          <a:bodyPr>
-            <a:normAutofit lnSpcReduction="10000"/>
-          </a:bodyPr>
-          <a:lstStyle/>
-          <a:p>
-            <a:r>
-              <a:rPr lang="en-IN" dirty="0"/>
-              <a:t>The basic principle of work:</a:t>
-            </a:r>
-          </a:p>
-          <a:p>
-            <a:pPr marL="457200" indent="-457200">
-              <a:buAutoNum type="arabicParenBoth"/>
-            </a:pPr>
-            <a:r>
-              <a:rPr lang="en-IN" dirty="0"/>
-              <a:t>Using IO trigger for at least 10us high level signal</a:t>
-            </a:r>
-          </a:p>
-          <a:p>
-            <a:pPr marL="457200" indent="-457200">
-              <a:buAutoNum type="arabicParenBoth"/>
-            </a:pPr>
-            <a:r>
-              <a:rPr lang="en-IN" dirty="0"/>
-              <a:t>The Module automatically sends eight 40 kHz and detect whether there is a pulse signal back</a:t>
-            </a:r>
-          </a:p>
-          <a:p>
-            <a:pPr marL="457200" indent="-457200">
-              <a:buAutoNum type="arabicParenBoth"/>
-            </a:pPr>
-            <a:r>
-              <a:rPr lang="en-IN" dirty="0"/>
-              <a:t>) IF the signal back, through high level , time of high output IO duration is the time from sending ultrasonic to returning. Test distance = (high level </a:t>
-            </a:r>
-            <a:r>
-              <a:rPr lang="en-IN" dirty="0" err="1"/>
-              <a:t>time×velocity</a:t>
-            </a:r>
-            <a:r>
-              <a:rPr lang="en-IN" dirty="0"/>
-              <a:t> of sound (340M/S) / 2</a:t>
-            </a:r>
-          </a:p>
-          <a:p>
-            <a:endParaRPr lang="en-IN" dirty="0"/>
-          </a:p>
-        </p:txBody>
-      </p:sp>
-    </p:spTree>
-    <p:extLst>
-      <p:ext uri="{BB962C8B-B14F-4D97-AF65-F5344CB8AC3E}">
-        <p14:creationId xmlns:p14="http://schemas.microsoft.com/office/powerpoint/2010/main" val="3856273739"/>
-      </p:ext>
-    </p:extLst>
-  </p:cSld>
-  <p:clrMapOvr>
-    <a:masterClrMapping/>
-  </p:clrMapOvr>
-</p:sld>
-</file>
-
-<file path=ppt/slides/slide16.xml><?xml version="1.0" encoding="utf-8"?>
-<p:sld xmlns:a="http://schemas.openxmlformats.org/drawingml/2006/main" xmlns:r="http://schemas.openxmlformats.org/officeDocument/2006/relationships" xmlns:p="http://schemas.openxmlformats.org/presentationml/2006/main">
-  <p:cSld>
-    <p:spTree>
-      <p:nvGrpSpPr>
-        <p:cNvPr id="1" name=""/>
-        <p:cNvGrpSpPr/>
-        <p:nvPr/>
-      </p:nvGrpSpPr>
-      <p:grpSpPr>
-        <a:xfrm>
-          <a:off x="0" y="0"/>
-          <a:ext cx="0" cy="0"/>
-          <a:chOff x="0" y="0"/>
-          <a:chExt cx="0" cy="0"/>
-        </a:xfrm>
-      </p:grpSpPr>
-      <p:sp>
-        <p:nvSpPr>
-          <p:cNvPr id="2" name="Title 1">
-            <a:extLst>
-              <a:ext uri="{FF2B5EF4-FFF2-40B4-BE49-F238E27FC236}">
-                <a16:creationId xmlns:a16="http://schemas.microsoft.com/office/drawing/2014/main" id="{5495BFAF-EE41-4B0F-8593-700051908F5D}"/>
-              </a:ext>
-            </a:extLst>
-          </p:cNvPr>
-          <p:cNvSpPr>
-            <a:spLocks noGrp="1"/>
-          </p:cNvSpPr>
-          <p:nvPr>
-            <p:ph type="title"/>
-          </p:nvPr>
-        </p:nvSpPr>
-        <p:spPr>
-          <a:xfrm>
-            <a:off x="1071074" y="2841213"/>
-            <a:ext cx="2966353" cy="1478570"/>
-          </a:xfrm>
-        </p:spPr>
-        <p:txBody>
-          <a:bodyPr>
-            <a:normAutofit/>
-          </a:bodyPr>
-          <a:lstStyle/>
-          <a:p>
-            <a:r>
-              <a:rPr lang="en-IN" sz="4800" dirty="0">
-                <a:solidFill>
-                  <a:srgbClr val="FF0000"/>
-                </a:solidFill>
-              </a:rPr>
-              <a:t>code</a:t>
-            </a:r>
-          </a:p>
-        </p:txBody>
-      </p:sp>
-    </p:spTree>
-    <p:extLst>
-      <p:ext uri="{BB962C8B-B14F-4D97-AF65-F5344CB8AC3E}">
-        <p14:creationId xmlns:p14="http://schemas.microsoft.com/office/powerpoint/2010/main" val="1352411064"/>
-      </p:ext>
-    </p:extLst>
-  </p:cSld>
-  <p:clrMapOvr>
-    <a:masterClrMapping/>
-  </p:clrMapOvr>
-</p:sld>
-</file>
-
-<file path=ppt/slides/slide17.xml><?xml version="1.0" encoding="utf-8"?>
-<p:sld xmlns:a="http://schemas.openxmlformats.org/drawingml/2006/main" xmlns:r="http://schemas.openxmlformats.org/officeDocument/2006/relationships" xmlns:p="http://schemas.openxmlformats.org/presentationml/2006/main">
-  <p:cSld>
-    <p:spTree>
-      <p:nvGrpSpPr>
-        <p:cNvPr id="1" name=""/>
-        <p:cNvGrpSpPr/>
-        <p:nvPr/>
-      </p:nvGrpSpPr>
-      <p:grpSpPr>
-        <a:xfrm>
-          <a:off x="0" y="0"/>
-          <a:ext cx="0" cy="0"/>
-          <a:chOff x="0" y="0"/>
-          <a:chExt cx="0" cy="0"/>
-        </a:xfrm>
-      </p:grpSpPr>
-      <p:sp>
-        <p:nvSpPr>
-          <p:cNvPr id="8" name="Text Placeholder 7">
-            <a:extLst>
-              <a:ext uri="{FF2B5EF4-FFF2-40B4-BE49-F238E27FC236}">
-                <a16:creationId xmlns:a16="http://schemas.microsoft.com/office/drawing/2014/main" id="{C1B62120-0EF0-44BB-9E4D-5CA18AE0FF30}"/>
-              </a:ext>
-            </a:extLst>
-          </p:cNvPr>
-          <p:cNvSpPr>
-            <a:spLocks noGrp="1"/>
-          </p:cNvSpPr>
-          <p:nvPr>
-            <p:ph type="body" idx="1"/>
-          </p:nvPr>
-        </p:nvSpPr>
-        <p:spPr>
-          <a:xfrm>
-            <a:off x="1141411" y="829995"/>
-            <a:ext cx="9906000" cy="5655212"/>
-          </a:xfrm>
-        </p:spPr>
-        <p:txBody>
-          <a:bodyPr>
-            <a:normAutofit/>
-          </a:bodyPr>
-          <a:lstStyle/>
-          <a:p>
-            <a:r>
-              <a:rPr lang="en-IN" sz="3600" dirty="0"/>
-              <a:t>return ((duration/2) / 74);             </a:t>
-            </a:r>
-          </a:p>
-          <a:p>
-            <a:r>
-              <a:rPr lang="en-IN" sz="3600" dirty="0"/>
-              <a:t>// Calculates distance in inches and sends it to function call </a:t>
-            </a:r>
-          </a:p>
-          <a:p>
-            <a:r>
-              <a:rPr lang="en-IN" sz="3600" dirty="0"/>
-              <a:t>(** for </a:t>
-            </a:r>
-            <a:r>
-              <a:rPr lang="en-IN" sz="3600" dirty="0" err="1"/>
-              <a:t>centimeters</a:t>
-            </a:r>
-            <a:r>
-              <a:rPr lang="en-IN" sz="3600" dirty="0"/>
-              <a:t> (cm) divide by 58 **)</a:t>
-            </a:r>
-          </a:p>
-        </p:txBody>
-      </p:sp>
-    </p:spTree>
-    <p:extLst>
-      <p:ext uri="{BB962C8B-B14F-4D97-AF65-F5344CB8AC3E}">
-        <p14:creationId xmlns:p14="http://schemas.microsoft.com/office/powerpoint/2010/main" val="1170397363"/>
-      </p:ext>
-    </p:extLst>
-  </p:cSld>
-  <p:clrMapOvr>
-    <a:masterClrMapping/>
-  </p:clrMapOvr>
-</p:sld>
-</file>
-
-<file path=ppt/slides/slide18.xml><?xml version="1.0" encoding="utf-8"?>
-<p:sld xmlns:a="http://schemas.openxmlformats.org/drawingml/2006/main" xmlns:r="http://schemas.openxmlformats.org/officeDocument/2006/relationships" xmlns:p="http://schemas.openxmlformats.org/presentationml/2006/main">
-  <p:cSld>
-    <p:spTree>
-      <p:nvGrpSpPr>
-        <p:cNvPr id="1" name=""/>
-        <p:cNvGrpSpPr/>
-        <p:nvPr/>
-      </p:nvGrpSpPr>
-      <p:grpSpPr>
-        <a:xfrm>
-          <a:off x="0" y="0"/>
-          <a:ext cx="0" cy="0"/>
-          <a:chOff x="0" y="0"/>
-          <a:chExt cx="0" cy="0"/>
-        </a:xfrm>
-      </p:grpSpPr>
-      <p:sp>
-        <p:nvSpPr>
           <p:cNvPr id="2" name="Title 1">
             <a:extLst>
               <a:ext uri="{FF2B5EF4-FFF2-40B4-BE49-F238E27FC236}">
@@ -19165,7 +17786,7 @@
 </p:sld>
 </file>
 
-<file path=ppt/slides/slide19.xml><?xml version="1.0" encoding="utf-8"?>
+<file path=ppt/slides/slide11.xml><?xml version="1.0" encoding="utf-8"?>
 <p:sld xmlns:a="http://schemas.openxmlformats.org/drawingml/2006/main" xmlns:r="http://schemas.openxmlformats.org/officeDocument/2006/relationships" xmlns:p="http://schemas.openxmlformats.org/presentationml/2006/main">
   <p:cSld>
     <p:spTree>
@@ -19227,193 +17848,7 @@
 </p:sld>
 </file>
 
-<file path=ppt/slides/slide2.xml><?xml version="1.0" encoding="utf-8"?>
-<p:sld xmlns:a="http://schemas.openxmlformats.org/drawingml/2006/main" xmlns:r="http://schemas.openxmlformats.org/officeDocument/2006/relationships" xmlns:p="http://schemas.openxmlformats.org/presentationml/2006/main">
-  <p:cSld>
-    <p:spTree>
-      <p:nvGrpSpPr>
-        <p:cNvPr id="1" name=""/>
-        <p:cNvGrpSpPr/>
-        <p:nvPr/>
-      </p:nvGrpSpPr>
-      <p:grpSpPr>
-        <a:xfrm>
-          <a:off x="0" y="0"/>
-          <a:ext cx="0" cy="0"/>
-          <a:chOff x="0" y="0"/>
-          <a:chExt cx="0" cy="0"/>
-        </a:xfrm>
-      </p:grpSpPr>
-      <p:sp>
-        <p:nvSpPr>
-          <p:cNvPr id="2" name="Title 1">
-            <a:extLst>
-              <a:ext uri="{FF2B5EF4-FFF2-40B4-BE49-F238E27FC236}">
-                <a16:creationId xmlns:a16="http://schemas.microsoft.com/office/drawing/2014/main" id="{6F4613D1-49CA-40C1-B90D-96F09F54A18C}"/>
-              </a:ext>
-            </a:extLst>
-          </p:cNvPr>
-          <p:cNvSpPr>
-            <a:spLocks noGrp="1"/>
-          </p:cNvSpPr>
-          <p:nvPr>
-            <p:ph type="title"/>
-          </p:nvPr>
-        </p:nvSpPr>
-        <p:spPr>
-          <a:xfrm>
-            <a:off x="1141413" y="618518"/>
-            <a:ext cx="9905998" cy="1478570"/>
-          </a:xfrm>
-        </p:spPr>
-        <p:txBody>
-          <a:bodyPr>
-            <a:normAutofit/>
-          </a:bodyPr>
-          <a:lstStyle/>
-          <a:p>
-            <a:r>
-              <a:rPr lang="en-IN" sz="4800" dirty="0">
-                <a:solidFill>
-                  <a:srgbClr val="FF0000"/>
-                </a:solidFill>
-              </a:rPr>
-              <a:t>Flowchart</a:t>
-            </a:r>
-            <a:r>
-              <a:rPr lang="en-IN" dirty="0"/>
-              <a:t> 	</a:t>
-            </a:r>
-          </a:p>
-        </p:txBody>
-      </p:sp>
-      <p:graphicFrame>
-        <p:nvGraphicFramePr>
-          <p:cNvPr id="5" name="Content Placeholder 2"/>
-          <p:cNvGraphicFramePr>
-            <a:graphicFrameLocks noGrp="1"/>
-          </p:cNvGraphicFramePr>
-          <p:nvPr>
-            <p:ph idx="1"/>
-            <p:extLst>
-              <p:ext uri="{D42A27DB-BD31-4B8C-83A1-F6EECF244321}">
-                <p14:modId xmlns:p14="http://schemas.microsoft.com/office/powerpoint/2010/main" val="3504993201"/>
-              </p:ext>
-            </p:extLst>
-          </p:nvPr>
-        </p:nvGraphicFramePr>
-        <p:xfrm>
-          <a:off x="1141413" y="2390685"/>
-          <a:ext cx="9906000" cy="3142721"/>
-        </p:xfrm>
-        <a:graphic>
-          <a:graphicData uri="http://schemas.openxmlformats.org/drawingml/2006/diagram">
-            <dgm:relIds xmlns:dgm="http://schemas.openxmlformats.org/drawingml/2006/diagram" xmlns:r="http://schemas.openxmlformats.org/officeDocument/2006/relationships" r:dm="rId2" r:lo="rId3" r:qs="rId4" r:cs="rId5"/>
-          </a:graphicData>
-        </a:graphic>
-      </p:graphicFrame>
-    </p:spTree>
-    <p:extLst>
-      <p:ext uri="{BB962C8B-B14F-4D97-AF65-F5344CB8AC3E}">
-        <p14:creationId xmlns:p14="http://schemas.microsoft.com/office/powerpoint/2010/main" val="3046349738"/>
-      </p:ext>
-    </p:extLst>
-  </p:cSld>
-  <p:clrMapOvr>
-    <a:masterClrMapping/>
-  </p:clrMapOvr>
-  <p:timing>
-    <p:tnLst>
-      <p:par>
-        <p:cTn id="1" dur="indefinite" restart="never" nodeType="tmRoot">
-          <p:childTnLst>
-            <p:seq concurrent="1" nextAc="seek">
-              <p:cTn id="2" dur="indefinite" nodeType="mainSeq">
-                <p:childTnLst>
-                  <p:par>
-                    <p:cTn id="3" fill="hold">
-                      <p:stCondLst>
-                        <p:cond delay="indefinite"/>
-                      </p:stCondLst>
-                      <p:childTnLst>
-                        <p:par>
-                          <p:cTn id="4" fill="hold">
-                            <p:stCondLst>
-                              <p:cond delay="0"/>
-                            </p:stCondLst>
-                            <p:childTnLst>
-                              <p:par>
-                                <p:cTn id="5" presetID="16" presetClass="entr" presetSubtype="21" fill="hold" grpId="0" nodeType="clickEffect">
-                                  <p:stCondLst>
-                                    <p:cond delay="0"/>
-                                  </p:stCondLst>
-                                  <p:childTnLst>
-                                    <p:set>
-                                      <p:cBhvr>
-                                        <p:cTn id="6" dur="1" fill="hold">
-                                          <p:stCondLst>
-                                            <p:cond delay="0"/>
-                                          </p:stCondLst>
-                                        </p:cTn>
-                                        <p:tgtEl>
-                                          <p:spTgt spid="5"/>
-                                        </p:tgtEl>
-                                        <p:attrNameLst>
-                                          <p:attrName>style.visibility</p:attrName>
-                                        </p:attrNameLst>
-                                      </p:cBhvr>
-                                      <p:to>
-                                        <p:strVal val="visible"/>
-                                      </p:to>
-                                    </p:set>
-                                    <p:animEffect transition="in" filter="barn(inVertical)">
-                                      <p:cBhvr>
-                                        <p:cTn id="7" dur="500"/>
-                                        <p:tgtEl>
-                                          <p:spTgt spid="5"/>
-                                        </p:tgtEl>
-                                      </p:cBhvr>
-                                    </p:animEffect>
-                                  </p:childTnLst>
-                                </p:cTn>
-                              </p:par>
-                            </p:childTnLst>
-                          </p:cTn>
-                        </p:par>
-                      </p:childTnLst>
-                    </p:cTn>
-                  </p:par>
-                </p:childTnLst>
-              </p:cTn>
-              <p:prevCondLst>
-                <p:cond evt="onPrev" delay="0">
-                  <p:tgtEl>
-                    <p:sldTgt/>
-                  </p:tgtEl>
-                </p:cond>
-              </p:prevCondLst>
-              <p:nextCondLst>
-                <p:cond evt="onNext" delay="0">
-                  <p:tgtEl>
-                    <p:sldTgt/>
-                  </p:tgtEl>
-                </p:cond>
-              </p:nextCondLst>
-            </p:seq>
-          </p:childTnLst>
-        </p:cTn>
-      </p:par>
-    </p:tnLst>
-    <p:bldLst>
-      <p:bldGraphic spid="5" grpId="0">
-        <p:bldAsOne/>
-      </p:bldGraphic>
-    </p:bldLst>
-  </p:timing>
-</p:sld>
-</file>
-
-<file path=ppt/slides/slide20.xml><?xml version="1.0" encoding="utf-8"?>
+<file path=ppt/slides/slide12.xml><?xml version="1.0" encoding="utf-8"?>
 <p:sld xmlns:a="http://schemas.openxmlformats.org/drawingml/2006/main" xmlns:r="http://schemas.openxmlformats.org/officeDocument/2006/relationships" xmlns:p="http://schemas.openxmlformats.org/presentationml/2006/main">
   <p:cSld>
     <p:spTree>
@@ -19819,7 +18254,7 @@
 </p:sld>
 </file>
 
-<file path=ppt/slides/slide21.xml><?xml version="1.0" encoding="utf-8"?>
+<file path=ppt/slides/slide13.xml><?xml version="1.0" encoding="utf-8"?>
 <p:sld xmlns:a="http://schemas.openxmlformats.org/drawingml/2006/main" xmlns:r="http://schemas.openxmlformats.org/officeDocument/2006/relationships" xmlns:p="http://schemas.openxmlformats.org/presentationml/2006/main">
   <p:cSld>
     <p:spTree>
@@ -20156,7 +18591,7 @@
 </p:sld>
 </file>
 
-<file path=ppt/slides/slide22.xml><?xml version="1.0" encoding="utf-8"?>
+<file path=ppt/slides/slide14.xml><?xml version="1.0" encoding="utf-8"?>
 <p:sld xmlns:a="http://schemas.openxmlformats.org/drawingml/2006/main" xmlns:r="http://schemas.openxmlformats.org/officeDocument/2006/relationships" xmlns:p="http://schemas.openxmlformats.org/presentationml/2006/main">
   <p:cSld>
     <p:spTree>
@@ -20214,7 +18649,7 @@
 </p:sld>
 </file>
 
-<file path=ppt/slides/slide23.xml><?xml version="1.0" encoding="utf-8"?>
+<file path=ppt/slides/slide15.xml><?xml version="1.0" encoding="utf-8"?>
 <p:sld xmlns:a="http://schemas.openxmlformats.org/drawingml/2006/main" xmlns:r="http://schemas.openxmlformats.org/officeDocument/2006/relationships" xmlns:p="http://schemas.openxmlformats.org/presentationml/2006/main">
   <p:cSld>
     <p:spTree>
@@ -20298,7 +18733,7 @@
 </p:sld>
 </file>
 
-<file path=ppt/slides/slide24.xml><?xml version="1.0" encoding="utf-8"?>
+<file path=ppt/slides/slide16.xml><?xml version="1.0" encoding="utf-8"?>
 <p:sld xmlns:a="http://schemas.openxmlformats.org/drawingml/2006/main" xmlns:r="http://schemas.openxmlformats.org/officeDocument/2006/relationships" xmlns:p="http://schemas.openxmlformats.org/presentationml/2006/main">
   <p:cSld>
     <p:spTree>
@@ -20360,6 +18795,192 @@
   <p:clrMapOvr>
     <a:masterClrMapping/>
   </p:clrMapOvr>
+</p:sld>
+</file>
+
+<file path=ppt/slides/slide2.xml><?xml version="1.0" encoding="utf-8"?>
+<p:sld xmlns:a="http://schemas.openxmlformats.org/drawingml/2006/main" xmlns:r="http://schemas.openxmlformats.org/officeDocument/2006/relationships" xmlns:p="http://schemas.openxmlformats.org/presentationml/2006/main">
+  <p:cSld>
+    <p:spTree>
+      <p:nvGrpSpPr>
+        <p:cNvPr id="1" name=""/>
+        <p:cNvGrpSpPr/>
+        <p:nvPr/>
+      </p:nvGrpSpPr>
+      <p:grpSpPr>
+        <a:xfrm>
+          <a:off x="0" y="0"/>
+          <a:ext cx="0" cy="0"/>
+          <a:chOff x="0" y="0"/>
+          <a:chExt cx="0" cy="0"/>
+        </a:xfrm>
+      </p:grpSpPr>
+      <p:sp>
+        <p:nvSpPr>
+          <p:cNvPr id="2" name="Title 1">
+            <a:extLst>
+              <a:ext uri="{FF2B5EF4-FFF2-40B4-BE49-F238E27FC236}">
+                <a16:creationId xmlns:a16="http://schemas.microsoft.com/office/drawing/2014/main" id="{6F4613D1-49CA-40C1-B90D-96F09F54A18C}"/>
+              </a:ext>
+            </a:extLst>
+          </p:cNvPr>
+          <p:cNvSpPr>
+            <a:spLocks noGrp="1"/>
+          </p:cNvSpPr>
+          <p:nvPr>
+            <p:ph type="title"/>
+          </p:nvPr>
+        </p:nvSpPr>
+        <p:spPr>
+          <a:xfrm>
+            <a:off x="1141413" y="618518"/>
+            <a:ext cx="9905998" cy="1478570"/>
+          </a:xfrm>
+        </p:spPr>
+        <p:txBody>
+          <a:bodyPr>
+            <a:normAutofit/>
+          </a:bodyPr>
+          <a:lstStyle/>
+          <a:p>
+            <a:r>
+              <a:rPr lang="en-IN" sz="4800" dirty="0">
+                <a:solidFill>
+                  <a:srgbClr val="FF0000"/>
+                </a:solidFill>
+              </a:rPr>
+              <a:t>Flowchart</a:t>
+            </a:r>
+            <a:r>
+              <a:rPr lang="en-IN" dirty="0"/>
+              <a:t> 	</a:t>
+            </a:r>
+          </a:p>
+        </p:txBody>
+      </p:sp>
+      <p:graphicFrame>
+        <p:nvGraphicFramePr>
+          <p:cNvPr id="5" name="Content Placeholder 2"/>
+          <p:cNvGraphicFramePr>
+            <a:graphicFrameLocks noGrp="1"/>
+          </p:cNvGraphicFramePr>
+          <p:nvPr>
+            <p:ph idx="1"/>
+            <p:extLst>
+              <p:ext uri="{D42A27DB-BD31-4B8C-83A1-F6EECF244321}">
+                <p14:modId xmlns:p14="http://schemas.microsoft.com/office/powerpoint/2010/main" val="3504993201"/>
+              </p:ext>
+            </p:extLst>
+          </p:nvPr>
+        </p:nvGraphicFramePr>
+        <p:xfrm>
+          <a:off x="1141413" y="2390685"/>
+          <a:ext cx="9906000" cy="3142721"/>
+        </p:xfrm>
+        <a:graphic>
+          <a:graphicData uri="http://schemas.openxmlformats.org/drawingml/2006/diagram">
+            <dgm:relIds xmlns:dgm="http://schemas.openxmlformats.org/drawingml/2006/diagram" xmlns:r="http://schemas.openxmlformats.org/officeDocument/2006/relationships" r:dm="rId2" r:lo="rId3" r:qs="rId4" r:cs="rId5"/>
+          </a:graphicData>
+        </a:graphic>
+      </p:graphicFrame>
+    </p:spTree>
+    <p:extLst>
+      <p:ext uri="{BB962C8B-B14F-4D97-AF65-F5344CB8AC3E}">
+        <p14:creationId xmlns:p14="http://schemas.microsoft.com/office/powerpoint/2010/main" val="3046349738"/>
+      </p:ext>
+    </p:extLst>
+  </p:cSld>
+  <p:clrMapOvr>
+    <a:masterClrMapping/>
+  </p:clrMapOvr>
+  <p:timing>
+    <p:tnLst>
+      <p:par>
+        <p:cTn id="1" dur="indefinite" restart="never" nodeType="tmRoot">
+          <p:childTnLst>
+            <p:seq concurrent="1" nextAc="seek">
+              <p:cTn id="2" dur="indefinite" nodeType="mainSeq">
+                <p:childTnLst>
+                  <p:par>
+                    <p:cTn id="3" fill="hold">
+                      <p:stCondLst>
+                        <p:cond delay="indefinite"/>
+                      </p:stCondLst>
+                      <p:childTnLst>
+                        <p:par>
+                          <p:cTn id="4" fill="hold">
+                            <p:stCondLst>
+                              <p:cond delay="0"/>
+                            </p:stCondLst>
+                            <p:childTnLst>
+                              <p:par>
+                                <p:cTn id="5" presetID="16" presetClass="entr" presetSubtype="21" fill="hold" grpId="0" nodeType="clickEffect">
+                                  <p:stCondLst>
+                                    <p:cond delay="0"/>
+                                  </p:stCondLst>
+                                  <p:childTnLst>
+                                    <p:set>
+                                      <p:cBhvr>
+                                        <p:cTn id="6" dur="1" fill="hold">
+                                          <p:stCondLst>
+                                            <p:cond delay="0"/>
+                                          </p:stCondLst>
+                                        </p:cTn>
+                                        <p:tgtEl>
+                                          <p:spTgt spid="5"/>
+                                        </p:tgtEl>
+                                        <p:attrNameLst>
+                                          <p:attrName>style.visibility</p:attrName>
+                                        </p:attrNameLst>
+                                      </p:cBhvr>
+                                      <p:to>
+                                        <p:strVal val="visible"/>
+                                      </p:to>
+                                    </p:set>
+                                    <p:animEffect transition="in" filter="barn(inVertical)">
+                                      <p:cBhvr>
+                                        <p:cTn id="7" dur="500"/>
+                                        <p:tgtEl>
+                                          <p:spTgt spid="5"/>
+                                        </p:tgtEl>
+                                      </p:cBhvr>
+                                    </p:animEffect>
+                                  </p:childTnLst>
+                                </p:cTn>
+                              </p:par>
+                            </p:childTnLst>
+                          </p:cTn>
+                        </p:par>
+                      </p:childTnLst>
+                    </p:cTn>
+                  </p:par>
+                </p:childTnLst>
+              </p:cTn>
+              <p:prevCondLst>
+                <p:cond evt="onPrev" delay="0">
+                  <p:tgtEl>
+                    <p:sldTgt/>
+                  </p:tgtEl>
+                </p:cond>
+              </p:prevCondLst>
+              <p:nextCondLst>
+                <p:cond evt="onNext" delay="0">
+                  <p:tgtEl>
+                    <p:sldTgt/>
+                  </p:tgtEl>
+                </p:cond>
+              </p:nextCondLst>
+            </p:seq>
+          </p:childTnLst>
+        </p:cTn>
+      </p:par>
+    </p:tnLst>
+    <p:bldLst>
+      <p:bldGraphic spid="5" grpId="0">
+        <p:bldAsOne/>
+      </p:bldGraphic>
+    </p:bldLst>
+  </p:timing>
 </p:sld>
 </file>
 
@@ -21791,251 +20412,6 @@
           <p:cNvPr id="2" name="Title 1">
             <a:extLst>
               <a:ext uri="{FF2B5EF4-FFF2-40B4-BE49-F238E27FC236}">
-                <a16:creationId xmlns:a16="http://schemas.microsoft.com/office/drawing/2014/main" id="{F3F9F023-AF70-4C12-88E5-B57633BEB07F}"/>
-              </a:ext>
-            </a:extLst>
-          </p:cNvPr>
-          <p:cNvSpPr>
-            <a:spLocks noGrp="1"/>
-          </p:cNvSpPr>
-          <p:nvPr>
-            <p:ph type="title"/>
-          </p:nvPr>
-        </p:nvSpPr>
-        <p:spPr>
-          <a:xfrm>
-            <a:off x="1408699" y="2630198"/>
-            <a:ext cx="4176175" cy="2729594"/>
-          </a:xfrm>
-        </p:spPr>
-        <p:txBody>
-          <a:bodyPr>
-            <a:normAutofit/>
-          </a:bodyPr>
-          <a:lstStyle/>
-          <a:p>
-            <a:r>
-              <a:rPr lang="en-IN" sz="4800" dirty="0">
-                <a:solidFill>
-                  <a:srgbClr val="FF0000"/>
-                </a:solidFill>
-              </a:rPr>
-              <a:t>code</a:t>
-            </a:r>
-          </a:p>
-        </p:txBody>
-      </p:sp>
-    </p:spTree>
-    <p:extLst>
-      <p:ext uri="{BB962C8B-B14F-4D97-AF65-F5344CB8AC3E}">
-        <p14:creationId xmlns:p14="http://schemas.microsoft.com/office/powerpoint/2010/main" val="820469985"/>
-      </p:ext>
-    </p:extLst>
-  </p:cSld>
-  <p:clrMapOvr>
-    <a:masterClrMapping/>
-  </p:clrMapOvr>
-</p:sld>
-</file>
-
-<file path=ppt/slides/slide8.xml><?xml version="1.0" encoding="utf-8"?>
-<p:sld xmlns:a="http://schemas.openxmlformats.org/drawingml/2006/main" xmlns:r="http://schemas.openxmlformats.org/officeDocument/2006/relationships" xmlns:p="http://schemas.openxmlformats.org/presentationml/2006/main">
-  <p:cSld>
-    <p:spTree>
-      <p:nvGrpSpPr>
-        <p:cNvPr id="1" name=""/>
-        <p:cNvGrpSpPr/>
-        <p:nvPr/>
-      </p:nvGrpSpPr>
-      <p:grpSpPr>
-        <a:xfrm>
-          <a:off x="0" y="0"/>
-          <a:ext cx="0" cy="0"/>
-          <a:chOff x="0" y="0"/>
-          <a:chExt cx="0" cy="0"/>
-        </a:xfrm>
-      </p:grpSpPr>
-      <p:sp>
-        <p:nvSpPr>
-          <p:cNvPr id="3" name="Subtitle 2">
-            <a:extLst>
-              <a:ext uri="{FF2B5EF4-FFF2-40B4-BE49-F238E27FC236}">
-                <a16:creationId xmlns:a16="http://schemas.microsoft.com/office/drawing/2014/main" id="{77B92859-F5F3-4203-999A-DF41933403E6}"/>
-              </a:ext>
-            </a:extLst>
-          </p:cNvPr>
-          <p:cNvSpPr>
-            <a:spLocks noGrp="1"/>
-          </p:cNvSpPr>
-          <p:nvPr>
-            <p:ph idx="1"/>
-          </p:nvPr>
-        </p:nvSpPr>
-        <p:spPr>
-          <a:xfrm>
-            <a:off x="1141412" y="478302"/>
-            <a:ext cx="9905999" cy="5936566"/>
-          </a:xfrm>
-        </p:spPr>
-        <p:txBody>
-          <a:bodyPr>
-            <a:normAutofit lnSpcReduction="10000"/>
-          </a:bodyPr>
-          <a:lstStyle/>
-          <a:p>
-            <a:r>
-              <a:rPr lang="en-US" dirty="0"/>
-              <a:t>char button;</a:t>
-            </a:r>
-          </a:p>
-          <a:p>
-            <a:r>
-              <a:rPr lang="en-US" dirty="0"/>
-              <a:t>// this function tells </a:t>
-            </a:r>
-            <a:r>
-              <a:rPr lang="en-US" dirty="0" err="1"/>
-              <a:t>arduino</a:t>
-            </a:r>
-            <a:r>
-              <a:rPr lang="en-US" dirty="0"/>
-              <a:t> which pins to take input from</a:t>
-            </a:r>
-          </a:p>
-          <a:p>
-            <a:r>
-              <a:rPr lang="en-US" dirty="0"/>
-              <a:t>// basically activates this pins for input</a:t>
-            </a:r>
-          </a:p>
-          <a:p>
-            <a:r>
-              <a:rPr lang="en-US" dirty="0"/>
-              <a:t>void setup() </a:t>
-            </a:r>
-          </a:p>
-          <a:p>
-            <a:r>
-              <a:rPr lang="en-US" dirty="0"/>
-              <a:t>{</a:t>
-            </a:r>
-          </a:p>
-          <a:p>
-            <a:r>
-              <a:rPr lang="en-US" dirty="0" err="1"/>
-              <a:t>Serial.begin</a:t>
-            </a:r>
-            <a:r>
-              <a:rPr lang="en-US" dirty="0"/>
-              <a:t>(9600); // opens serial port, sets data rate to 9600 bits/second</a:t>
-            </a:r>
-          </a:p>
-          <a:p>
-            <a:r>
-              <a:rPr lang="en-US" dirty="0"/>
-              <a:t> </a:t>
-            </a:r>
-            <a:r>
-              <a:rPr lang="en-US" dirty="0" err="1"/>
-              <a:t>pinMode</a:t>
-            </a:r>
-            <a:r>
-              <a:rPr lang="en-US" dirty="0"/>
-              <a:t>(2,OUTPUT);  //Motor driver pin 1</a:t>
-            </a:r>
-          </a:p>
-          <a:p>
-            <a:r>
-              <a:rPr lang="en-US" dirty="0"/>
-              <a:t> </a:t>
-            </a:r>
-            <a:r>
-              <a:rPr lang="en-US" dirty="0" err="1"/>
-              <a:t>pinMode</a:t>
-            </a:r>
-            <a:r>
-              <a:rPr lang="en-US" dirty="0"/>
-              <a:t>(3,OUTPUT);  //Motor driver pin 2</a:t>
-            </a:r>
-          </a:p>
-          <a:p>
-            <a:r>
-              <a:rPr lang="en-US" dirty="0"/>
-              <a:t> </a:t>
-            </a:r>
-            <a:r>
-              <a:rPr lang="en-US" dirty="0" err="1"/>
-              <a:t>pinMode</a:t>
-            </a:r>
-            <a:r>
-              <a:rPr lang="en-US" dirty="0"/>
-              <a:t>(4,OUTPUT);  //Motor driver pin 3</a:t>
-            </a:r>
-          </a:p>
-          <a:p>
-            <a:r>
-              <a:rPr lang="en-US" dirty="0"/>
-              <a:t> </a:t>
-            </a:r>
-            <a:r>
-              <a:rPr lang="en-US" dirty="0" err="1"/>
-              <a:t>pinMode</a:t>
-            </a:r>
-            <a:r>
-              <a:rPr lang="en-US" dirty="0"/>
-              <a:t>(5,OUTPUT);  //Motor driver pin 4</a:t>
-            </a:r>
-          </a:p>
-          <a:p>
-            <a:r>
-              <a:rPr lang="en-US" dirty="0"/>
-              <a:t>}</a:t>
-            </a:r>
-          </a:p>
-          <a:p>
-            <a:endParaRPr lang="en-IN" dirty="0">
-              <a:solidFill>
-                <a:schemeClr val="tx1"/>
-              </a:solidFill>
-            </a:endParaRPr>
-          </a:p>
-        </p:txBody>
-      </p:sp>
-    </p:spTree>
-    <p:extLst>
-      <p:ext uri="{BB962C8B-B14F-4D97-AF65-F5344CB8AC3E}">
-        <p14:creationId xmlns:p14="http://schemas.microsoft.com/office/powerpoint/2010/main" val="134883823"/>
-      </p:ext>
-    </p:extLst>
-  </p:cSld>
-  <p:clrMapOvr>
-    <a:masterClrMapping/>
-  </p:clrMapOvr>
-</p:sld>
-</file>
-
-<file path=ppt/slides/slide9.xml><?xml version="1.0" encoding="utf-8"?>
-<p:sld xmlns:a="http://schemas.openxmlformats.org/drawingml/2006/main" xmlns:r="http://schemas.openxmlformats.org/officeDocument/2006/relationships" xmlns:p="http://schemas.openxmlformats.org/presentationml/2006/main">
-  <p:cSld>
-    <p:spTree>
-      <p:nvGrpSpPr>
-        <p:cNvPr id="1" name=""/>
-        <p:cNvGrpSpPr/>
-        <p:nvPr/>
-      </p:nvGrpSpPr>
-      <p:grpSpPr>
-        <a:xfrm>
-          <a:off x="0" y="0"/>
-          <a:ext cx="0" cy="0"/>
-          <a:chOff x="0" y="0"/>
-          <a:chExt cx="0" cy="0"/>
-        </a:xfrm>
-      </p:grpSpPr>
-      <p:sp>
-        <p:nvSpPr>
-          <p:cNvPr id="2" name="Title 1">
-            <a:extLst>
-              <a:ext uri="{FF2B5EF4-FFF2-40B4-BE49-F238E27FC236}">
                 <a16:creationId xmlns:a16="http://schemas.microsoft.com/office/drawing/2014/main" id="{7586DCDD-BC8B-4B10-8C37-D152E114A957}"/>
               </a:ext>
             </a:extLst>
@@ -22141,6 +20517,438 @@
     <p:extLst>
       <p:ext uri="{BB962C8B-B14F-4D97-AF65-F5344CB8AC3E}">
         <p14:creationId xmlns:p14="http://schemas.microsoft.com/office/powerpoint/2010/main" val="1709038713"/>
+      </p:ext>
+    </p:extLst>
+  </p:cSld>
+  <p:clrMapOvr>
+    <a:masterClrMapping/>
+  </p:clrMapOvr>
+</p:sld>
+</file>
+
+<file path=ppt/slides/slide8.xml><?xml version="1.0" encoding="utf-8"?>
+<p:sld xmlns:a="http://schemas.openxmlformats.org/drawingml/2006/main" xmlns:r="http://schemas.openxmlformats.org/officeDocument/2006/relationships" xmlns:p="http://schemas.openxmlformats.org/presentationml/2006/main">
+  <p:cSld>
+    <p:spTree>
+      <p:nvGrpSpPr>
+        <p:cNvPr id="1" name=""/>
+        <p:cNvGrpSpPr/>
+        <p:nvPr/>
+      </p:nvGrpSpPr>
+      <p:grpSpPr>
+        <a:xfrm>
+          <a:off x="0" y="0"/>
+          <a:ext cx="0" cy="0"/>
+          <a:chOff x="0" y="0"/>
+          <a:chExt cx="0" cy="0"/>
+        </a:xfrm>
+      </p:grpSpPr>
+      <p:sp>
+        <p:nvSpPr>
+          <p:cNvPr id="2" name="Title 1">
+            <a:extLst>
+              <a:ext uri="{FF2B5EF4-FFF2-40B4-BE49-F238E27FC236}">
+                <a16:creationId xmlns:a16="http://schemas.microsoft.com/office/drawing/2014/main" id="{F94C1EF5-176D-468B-AC46-48571A6BCB2B}"/>
+              </a:ext>
+            </a:extLst>
+          </p:cNvPr>
+          <p:cNvSpPr>
+            <a:spLocks noGrp="1"/>
+          </p:cNvSpPr>
+          <p:nvPr>
+            <p:ph type="title"/>
+          </p:nvPr>
+        </p:nvSpPr>
+        <p:spPr/>
+        <p:txBody>
+          <a:bodyPr/>
+          <a:lstStyle/>
+          <a:p>
+            <a:r>
+              <a:rPr lang="en-IN" dirty="0">
+                <a:solidFill>
+                  <a:srgbClr val="FF0000"/>
+                </a:solidFill>
+              </a:rPr>
+              <a:t>Ultrasonic module</a:t>
+            </a:r>
+            <a:r>
+              <a:rPr lang="en-IN" dirty="0"/>
+              <a:t>	</a:t>
+            </a:r>
+          </a:p>
+        </p:txBody>
+      </p:sp>
+      <p:sp>
+        <p:nvSpPr>
+          <p:cNvPr id="4" name="Content Placeholder 3">
+            <a:extLst>
+              <a:ext uri="{FF2B5EF4-FFF2-40B4-BE49-F238E27FC236}">
+                <a16:creationId xmlns:a16="http://schemas.microsoft.com/office/drawing/2014/main" id="{9600374B-7369-4213-895F-D6D2273EBB1D}"/>
+              </a:ext>
+            </a:extLst>
+          </p:cNvPr>
+          <p:cNvSpPr>
+            <a:spLocks noGrp="1"/>
+          </p:cNvSpPr>
+          <p:nvPr>
+            <p:ph idx="1"/>
+          </p:nvPr>
+        </p:nvSpPr>
+        <p:spPr>
+          <a:xfrm>
+            <a:off x="1141413" y="2097088"/>
+            <a:ext cx="5189050" cy="4219306"/>
+          </a:xfrm>
+        </p:spPr>
+        <p:txBody>
+          <a:bodyPr>
+            <a:normAutofit/>
+          </a:bodyPr>
+          <a:lstStyle/>
+          <a:p>
+            <a:r>
+              <a:rPr lang="en-IN" dirty="0"/>
+              <a:t>Ultrasonic ranging module HC - SR04 provides 2cm - 400cm non-contact measurement function, the ranging accuracy can reach to 3mm</a:t>
+            </a:r>
+          </a:p>
+          <a:p>
+            <a:r>
+              <a:rPr lang="en-IN" dirty="0"/>
+              <a:t>The modules includes ultrasonic transmitters, receiver and control circuit.</a:t>
+            </a:r>
+          </a:p>
+        </p:txBody>
+      </p:sp>
+      <p:pic>
+        <p:nvPicPr>
+          <p:cNvPr id="5" name="Picture 4" descr="C:\Users\ab\AppData\Local\Microsoft\Windows\INetCache\Content.Word\Ultra.jpg">
+            <a:extLst>
+              <a:ext uri="{FF2B5EF4-FFF2-40B4-BE49-F238E27FC236}">
+                <a16:creationId xmlns:a16="http://schemas.microsoft.com/office/drawing/2014/main" id="{866337F7-EC2F-4B6A-9213-99F73F0305D9}"/>
+              </a:ext>
+            </a:extLst>
+          </p:cNvPr>
+          <p:cNvPicPr/>
+          <p:nvPr/>
+        </p:nvPicPr>
+        <p:blipFill>
+          <a:blip r:embed="rId2">
+            <a:extLst>
+              <a:ext uri="{28A0092B-C50C-407E-A947-70E740481C1C}">
+                <a14:useLocalDpi xmlns:a14="http://schemas.microsoft.com/office/drawing/2010/main" val="0"/>
+              </a:ext>
+            </a:extLst>
+          </a:blip>
+          <a:srcRect/>
+          <a:stretch>
+            <a:fillRect/>
+          </a:stretch>
+        </p:blipFill>
+        <p:spPr bwMode="auto">
+          <a:xfrm>
+            <a:off x="7230794" y="2169890"/>
+            <a:ext cx="4425852" cy="2950749"/>
+          </a:xfrm>
+          <a:prstGeom prst="rect">
+            <a:avLst/>
+          </a:prstGeom>
+          <a:noFill/>
+          <a:ln>
+            <a:noFill/>
+          </a:ln>
+        </p:spPr>
+      </p:pic>
+    </p:spTree>
+    <p:extLst>
+      <p:ext uri="{BB962C8B-B14F-4D97-AF65-F5344CB8AC3E}">
+        <p14:creationId xmlns:p14="http://schemas.microsoft.com/office/powerpoint/2010/main" val="3874818933"/>
+      </p:ext>
+    </p:extLst>
+  </p:cSld>
+  <p:clrMapOvr>
+    <a:masterClrMapping/>
+  </p:clrMapOvr>
+  <p:timing>
+    <p:tnLst>
+      <p:par>
+        <p:cTn id="1" dur="indefinite" restart="never" nodeType="tmRoot">
+          <p:childTnLst>
+            <p:seq concurrent="1" nextAc="seek">
+              <p:cTn id="2" dur="indefinite" nodeType="mainSeq">
+                <p:childTnLst>
+                  <p:par>
+                    <p:cTn id="3" fill="hold">
+                      <p:stCondLst>
+                        <p:cond delay="indefinite"/>
+                      </p:stCondLst>
+                      <p:childTnLst>
+                        <p:par>
+                          <p:cTn id="4" fill="hold">
+                            <p:stCondLst>
+                              <p:cond delay="0"/>
+                            </p:stCondLst>
+                            <p:childTnLst>
+                              <p:par>
+                                <p:cTn id="5" presetID="1" presetClass="entr" presetSubtype="0" fill="hold" nodeType="clickEffect">
+                                  <p:stCondLst>
+                                    <p:cond delay="0"/>
+                                  </p:stCondLst>
+                                  <p:childTnLst>
+                                    <p:set>
+                                      <p:cBhvr>
+                                        <p:cTn id="6" dur="1" fill="hold">
+                                          <p:stCondLst>
+                                            <p:cond delay="0"/>
+                                          </p:stCondLst>
+                                        </p:cTn>
+                                        <p:tgtEl>
+                                          <p:spTgt spid="4">
+                                            <p:txEl>
+                                              <p:pRg st="0" end="0"/>
+                                            </p:txEl>
+                                          </p:spTgt>
+                                        </p:tgtEl>
+                                        <p:attrNameLst>
+                                          <p:attrName>style.visibility</p:attrName>
+                                        </p:attrNameLst>
+                                      </p:cBhvr>
+                                      <p:to>
+                                        <p:strVal val="visible"/>
+                                      </p:to>
+                                    </p:set>
+                                  </p:childTnLst>
+                                </p:cTn>
+                              </p:par>
+                              <p:par>
+                                <p:cTn id="7" presetID="1" presetClass="entr" presetSubtype="0" fill="hold" nodeType="withEffect">
+                                  <p:stCondLst>
+                                    <p:cond delay="0"/>
+                                  </p:stCondLst>
+                                  <p:childTnLst>
+                                    <p:set>
+                                      <p:cBhvr>
+                                        <p:cTn id="8" dur="1" fill="hold">
+                                          <p:stCondLst>
+                                            <p:cond delay="0"/>
+                                          </p:stCondLst>
+                                        </p:cTn>
+                                        <p:tgtEl>
+                                          <p:spTgt spid="4">
+                                            <p:txEl>
+                                              <p:pRg st="1" end="1"/>
+                                            </p:txEl>
+                                          </p:spTgt>
+                                        </p:tgtEl>
+                                        <p:attrNameLst>
+                                          <p:attrName>style.visibility</p:attrName>
+                                        </p:attrNameLst>
+                                      </p:cBhvr>
+                                      <p:to>
+                                        <p:strVal val="visible"/>
+                                      </p:to>
+                                    </p:set>
+                                  </p:childTnLst>
+                                </p:cTn>
+                              </p:par>
+                            </p:childTnLst>
+                          </p:cTn>
+                        </p:par>
+                      </p:childTnLst>
+                    </p:cTn>
+                  </p:par>
+                  <p:par>
+                    <p:cTn id="9" fill="hold">
+                      <p:stCondLst>
+                        <p:cond delay="indefinite"/>
+                      </p:stCondLst>
+                      <p:childTnLst>
+                        <p:par>
+                          <p:cTn id="10" fill="hold">
+                            <p:stCondLst>
+                              <p:cond delay="0"/>
+                            </p:stCondLst>
+                            <p:childTnLst>
+                              <p:par>
+                                <p:cTn id="11" presetID="1" presetClass="entr" presetSubtype="0" fill="hold" nodeType="clickEffect">
+                                  <p:stCondLst>
+                                    <p:cond delay="0"/>
+                                  </p:stCondLst>
+                                  <p:childTnLst>
+                                    <p:set>
+                                      <p:cBhvr>
+                                        <p:cTn id="12" dur="1" fill="hold">
+                                          <p:stCondLst>
+                                            <p:cond delay="0"/>
+                                          </p:stCondLst>
+                                        </p:cTn>
+                                        <p:tgtEl>
+                                          <p:spTgt spid="5"/>
+                                        </p:tgtEl>
+                                        <p:attrNameLst>
+                                          <p:attrName>style.visibility</p:attrName>
+                                        </p:attrNameLst>
+                                      </p:cBhvr>
+                                      <p:to>
+                                        <p:strVal val="visible"/>
+                                      </p:to>
+                                    </p:set>
+                                  </p:childTnLst>
+                                </p:cTn>
+                              </p:par>
+                            </p:childTnLst>
+                          </p:cTn>
+                        </p:par>
+                      </p:childTnLst>
+                    </p:cTn>
+                  </p:par>
+                </p:childTnLst>
+              </p:cTn>
+              <p:prevCondLst>
+                <p:cond evt="onPrev" delay="0">
+                  <p:tgtEl>
+                    <p:sldTgt/>
+                  </p:tgtEl>
+                </p:cond>
+              </p:prevCondLst>
+              <p:nextCondLst>
+                <p:cond evt="onNext" delay="0">
+                  <p:tgtEl>
+                    <p:sldTgt/>
+                  </p:tgtEl>
+                </p:cond>
+              </p:nextCondLst>
+            </p:seq>
+          </p:childTnLst>
+        </p:cTn>
+      </p:par>
+    </p:tnLst>
+  </p:timing>
+</p:sld>
+</file>
+
+<file path=ppt/slides/slide9.xml><?xml version="1.0" encoding="utf-8"?>
+<p:sld xmlns:a="http://schemas.openxmlformats.org/drawingml/2006/main" xmlns:r="http://schemas.openxmlformats.org/officeDocument/2006/relationships" xmlns:p="http://schemas.openxmlformats.org/presentationml/2006/main">
+  <p:cSld>
+    <p:spTree>
+      <p:nvGrpSpPr>
+        <p:cNvPr id="1" name=""/>
+        <p:cNvGrpSpPr/>
+        <p:nvPr/>
+      </p:nvGrpSpPr>
+      <p:grpSpPr>
+        <a:xfrm>
+          <a:off x="0" y="0"/>
+          <a:ext cx="0" cy="0"/>
+          <a:chOff x="0" y="0"/>
+          <a:chExt cx="0" cy="0"/>
+        </a:xfrm>
+      </p:grpSpPr>
+      <p:sp>
+        <p:nvSpPr>
+          <p:cNvPr id="2" name="Title 1">
+            <a:extLst>
+              <a:ext uri="{FF2B5EF4-FFF2-40B4-BE49-F238E27FC236}">
+                <a16:creationId xmlns:a16="http://schemas.microsoft.com/office/drawing/2014/main" id="{A1643780-E245-4A8B-B9DC-88DF3B3BD7A5}"/>
+              </a:ext>
+            </a:extLst>
+          </p:cNvPr>
+          <p:cNvSpPr>
+            <a:spLocks noGrp="1"/>
+          </p:cNvSpPr>
+          <p:nvPr>
+            <p:ph type="title"/>
+          </p:nvPr>
+        </p:nvSpPr>
+        <p:spPr/>
+        <p:txBody>
+          <a:bodyPr/>
+          <a:lstStyle/>
+          <a:p>
+            <a:r>
+              <a:rPr lang="en-IN" dirty="0">
+                <a:solidFill>
+                  <a:srgbClr val="FF0000"/>
+                </a:solidFill>
+              </a:rPr>
+              <a:t>Ultrasonic module</a:t>
+            </a:r>
+            <a:endParaRPr lang="en-IN" dirty="0"/>
+          </a:p>
+        </p:txBody>
+      </p:sp>
+      <p:sp>
+        <p:nvSpPr>
+          <p:cNvPr id="3" name="Content Placeholder 2">
+            <a:extLst>
+              <a:ext uri="{FF2B5EF4-FFF2-40B4-BE49-F238E27FC236}">
+                <a16:creationId xmlns:a16="http://schemas.microsoft.com/office/drawing/2014/main" id="{E46409C2-C582-4451-94FD-CC4658FFDC73}"/>
+              </a:ext>
+            </a:extLst>
+          </p:cNvPr>
+          <p:cNvSpPr>
+            <a:spLocks noGrp="1"/>
+          </p:cNvSpPr>
+          <p:nvPr>
+            <p:ph idx="1"/>
+          </p:nvPr>
+        </p:nvSpPr>
+        <p:spPr/>
+        <p:txBody>
+          <a:bodyPr>
+            <a:normAutofit lnSpcReduction="10000"/>
+          </a:bodyPr>
+          <a:lstStyle/>
+          <a:p>
+            <a:r>
+              <a:rPr lang="en-IN" dirty="0"/>
+              <a:t>The basic principle of work:</a:t>
+            </a:r>
+          </a:p>
+          <a:p>
+            <a:pPr marL="457200" indent="-457200">
+              <a:buAutoNum type="arabicParenBoth"/>
+            </a:pPr>
+            <a:r>
+              <a:rPr lang="en-IN" dirty="0"/>
+              <a:t>Using IO trigger for at least 10us high level signal</a:t>
+            </a:r>
+          </a:p>
+          <a:p>
+            <a:pPr marL="457200" indent="-457200">
+              <a:buAutoNum type="arabicParenBoth"/>
+            </a:pPr>
+            <a:r>
+              <a:rPr lang="en-IN" dirty="0"/>
+              <a:t>The Module automatically sends eight 40 kHz and detect whether there is a pulse signal back</a:t>
+            </a:r>
+          </a:p>
+          <a:p>
+            <a:pPr marL="457200" indent="-457200">
+              <a:buAutoNum type="arabicParenBoth"/>
+            </a:pPr>
+            <a:r>
+              <a:rPr lang="en-IN" dirty="0"/>
+              <a:t>) IF the signal back, through high level , time of high output IO duration is the time from sending ultrasonic to returning. Test distance = (high level </a:t>
+            </a:r>
+            <a:r>
+              <a:rPr lang="en-IN" dirty="0" err="1"/>
+              <a:t>time×velocity</a:t>
+            </a:r>
+            <a:r>
+              <a:rPr lang="en-IN" dirty="0"/>
+              <a:t> of sound (340M/S) / 2</a:t>
+            </a:r>
+          </a:p>
+          <a:p>
+            <a:endParaRPr lang="en-IN" dirty="0"/>
+          </a:p>
+        </p:txBody>
+      </p:sp>
+    </p:spTree>
+    <p:extLst>
+      <p:ext uri="{BB962C8B-B14F-4D97-AF65-F5344CB8AC3E}">
+        <p14:creationId xmlns:p14="http://schemas.microsoft.com/office/powerpoint/2010/main" val="3856273739"/>
       </p:ext>
     </p:extLst>
   </p:cSld>
